--- a/Educational_Graphic1.pptx
+++ b/Educational_Graphic1.pptx
@@ -2,7 +2,7 @@
 <file path=ppt/presentation.xml><?xml version="1.0" encoding="utf-8"?>
 <p:presentation xmlns:a="http://schemas.openxmlformats.org/drawingml/2006/main" xmlns:r="http://schemas.openxmlformats.org/officeDocument/2006/relationships" xmlns:p="http://schemas.openxmlformats.org/presentationml/2006/main" saveSubsetFonts="1" autoCompressPictures="0">
   <p:sldMasterIdLst>
-    <p:sldMasterId id="2147483660" r:id="rId1"/>
+    <p:sldMasterId id="2147483852" r:id="rId1"/>
   </p:sldMasterIdLst>
   <p:notesMasterIdLst>
     <p:notesMasterId r:id="rId3"/>
@@ -10,14 +10,14 @@
   <p:sldIdLst>
     <p:sldId id="257" r:id="rId2"/>
   </p:sldIdLst>
-  <p:sldSz cx="9144000" cy="6858000" type="letter"/>
+  <p:sldSz cx="4114800" cy="4572000"/>
   <p:notesSz cx="6858000" cy="9144000"/>
   <p:defaultTextStyle>
     <a:defPPr>
       <a:defRPr lang="en-US"/>
     </a:defPPr>
-    <a:lvl1pPr marL="0" algn="l" defTabSz="914400" rtl="0" eaLnBrk="1" latinLnBrk="0" hangingPunct="1">
-      <a:defRPr sz="1800" kern="1200">
+    <a:lvl1pPr marL="0" algn="l" defTabSz="679990" rtl="0" eaLnBrk="1" latinLnBrk="0" hangingPunct="1">
+      <a:defRPr sz="1337" kern="1200">
         <a:solidFill>
           <a:schemeClr val="tx1"/>
         </a:solidFill>
@@ -26,8 +26,8 @@
         <a:cs typeface="+mn-cs"/>
       </a:defRPr>
     </a:lvl1pPr>
-    <a:lvl2pPr marL="457200" algn="l" defTabSz="914400" rtl="0" eaLnBrk="1" latinLnBrk="0" hangingPunct="1">
-      <a:defRPr sz="1800" kern="1200">
+    <a:lvl2pPr marL="339995" algn="l" defTabSz="679990" rtl="0" eaLnBrk="1" latinLnBrk="0" hangingPunct="1">
+      <a:defRPr sz="1337" kern="1200">
         <a:solidFill>
           <a:schemeClr val="tx1"/>
         </a:solidFill>
@@ -36,8 +36,8 @@
         <a:cs typeface="+mn-cs"/>
       </a:defRPr>
     </a:lvl2pPr>
-    <a:lvl3pPr marL="914400" algn="l" defTabSz="914400" rtl="0" eaLnBrk="1" latinLnBrk="0" hangingPunct="1">
-      <a:defRPr sz="1800" kern="1200">
+    <a:lvl3pPr marL="679990" algn="l" defTabSz="679990" rtl="0" eaLnBrk="1" latinLnBrk="0" hangingPunct="1">
+      <a:defRPr sz="1337" kern="1200">
         <a:solidFill>
           <a:schemeClr val="tx1"/>
         </a:solidFill>
@@ -46,8 +46,8 @@
         <a:cs typeface="+mn-cs"/>
       </a:defRPr>
     </a:lvl3pPr>
-    <a:lvl4pPr marL="1371600" algn="l" defTabSz="914400" rtl="0" eaLnBrk="1" latinLnBrk="0" hangingPunct="1">
-      <a:defRPr sz="1800" kern="1200">
+    <a:lvl4pPr marL="1019985" algn="l" defTabSz="679990" rtl="0" eaLnBrk="1" latinLnBrk="0" hangingPunct="1">
+      <a:defRPr sz="1337" kern="1200">
         <a:solidFill>
           <a:schemeClr val="tx1"/>
         </a:solidFill>
@@ -56,8 +56,8 @@
         <a:cs typeface="+mn-cs"/>
       </a:defRPr>
     </a:lvl4pPr>
-    <a:lvl5pPr marL="1828800" algn="l" defTabSz="914400" rtl="0" eaLnBrk="1" latinLnBrk="0" hangingPunct="1">
-      <a:defRPr sz="1800" kern="1200">
+    <a:lvl5pPr marL="1359982" algn="l" defTabSz="679990" rtl="0" eaLnBrk="1" latinLnBrk="0" hangingPunct="1">
+      <a:defRPr sz="1337" kern="1200">
         <a:solidFill>
           <a:schemeClr val="tx1"/>
         </a:solidFill>
@@ -66,8 +66,8 @@
         <a:cs typeface="+mn-cs"/>
       </a:defRPr>
     </a:lvl5pPr>
-    <a:lvl6pPr marL="2286000" algn="l" defTabSz="914400" rtl="0" eaLnBrk="1" latinLnBrk="0" hangingPunct="1">
-      <a:defRPr sz="1800" kern="1200">
+    <a:lvl6pPr marL="1699977" algn="l" defTabSz="679990" rtl="0" eaLnBrk="1" latinLnBrk="0" hangingPunct="1">
+      <a:defRPr sz="1337" kern="1200">
         <a:solidFill>
           <a:schemeClr val="tx1"/>
         </a:solidFill>
@@ -76,8 +76,8 @@
         <a:cs typeface="+mn-cs"/>
       </a:defRPr>
     </a:lvl6pPr>
-    <a:lvl7pPr marL="2743200" algn="l" defTabSz="914400" rtl="0" eaLnBrk="1" latinLnBrk="0" hangingPunct="1">
-      <a:defRPr sz="1800" kern="1200">
+    <a:lvl7pPr marL="2039971" algn="l" defTabSz="679990" rtl="0" eaLnBrk="1" latinLnBrk="0" hangingPunct="1">
+      <a:defRPr sz="1337" kern="1200">
         <a:solidFill>
           <a:schemeClr val="tx1"/>
         </a:solidFill>
@@ -86,8 +86,8 @@
         <a:cs typeface="+mn-cs"/>
       </a:defRPr>
     </a:lvl7pPr>
-    <a:lvl8pPr marL="3200400" algn="l" defTabSz="914400" rtl="0" eaLnBrk="1" latinLnBrk="0" hangingPunct="1">
-      <a:defRPr sz="1800" kern="1200">
+    <a:lvl8pPr marL="2379965" algn="l" defTabSz="679990" rtl="0" eaLnBrk="1" latinLnBrk="0" hangingPunct="1">
+      <a:defRPr sz="1337" kern="1200">
         <a:solidFill>
           <a:schemeClr val="tx1"/>
         </a:solidFill>
@@ -96,8 +96,8 @@
         <a:cs typeface="+mn-cs"/>
       </a:defRPr>
     </a:lvl8pPr>
-    <a:lvl9pPr marL="3657600" algn="l" defTabSz="914400" rtl="0" eaLnBrk="1" latinLnBrk="0" hangingPunct="1">
-      <a:defRPr sz="1800" kern="1200">
+    <a:lvl9pPr marL="2719962" algn="l" defTabSz="679990" rtl="0" eaLnBrk="1" latinLnBrk="0" hangingPunct="1">
+      <a:defRPr sz="1337" kern="1200">
         <a:solidFill>
           <a:schemeClr val="tx1"/>
         </a:solidFill>
@@ -110,12 +110,12 @@
   <p:extLst>
     <p:ext uri="{EFAFB233-063F-42B5-8137-9DF3F51BA10A}">
       <p15:sldGuideLst xmlns:p15="http://schemas.microsoft.com/office/powerpoint/2012/main">
-        <p15:guide id="1" orient="horz" pos="2160" userDrawn="1">
+        <p15:guide id="1" orient="horz" pos="1440" userDrawn="1">
           <p15:clr>
             <a:srgbClr val="A4A3A4"/>
           </p15:clr>
         </p15:guide>
-        <p15:guide id="2" pos="2880" userDrawn="1">
+        <p15:guide id="2" pos="1296" userDrawn="1">
           <p15:clr>
             <a:srgbClr val="A4A3A4"/>
           </p15:clr>
@@ -208,7 +208,7 @@
           <a:p>
             <a:fld id="{8CB8B038-47A2-9B46-B805-E7F0BC0075B3}" type="datetimeFigureOut">
               <a:rPr lang="en-US" smtClean="0"/>
-              <a:t>6/3/20</a:t>
+              <a:t>6/4/20</a:t>
             </a:fld>
             <a:endParaRPr lang="en-US"/>
           </a:p>
@@ -226,8 +226,8 @@
         </p:nvSpPr>
         <p:spPr>
           <a:xfrm>
-            <a:off x="1371600" y="1143000"/>
-            <a:ext cx="4114800" cy="3086100"/>
+            <a:off x="2039938" y="1143000"/>
+            <a:ext cx="2778125" cy="3086100"/>
           </a:xfrm>
           <a:prstGeom prst="rect">
             <a:avLst/>
@@ -382,8 +382,8 @@
   </p:cSld>
   <p:clrMap bg1="lt1" tx1="dk1" bg2="lt2" tx2="dk2" accent1="accent1" accent2="accent2" accent3="accent3" accent4="accent4" accent5="accent5" accent6="accent6" hlink="hlink" folHlink="folHlink"/>
   <p:notesStyle>
-    <a:lvl1pPr marL="0" algn="l" defTabSz="914400" rtl="0" eaLnBrk="1" latinLnBrk="0" hangingPunct="1">
-      <a:defRPr sz="1200" kern="1200">
+    <a:lvl1pPr marL="0" algn="l" defTabSz="679990" rtl="0" eaLnBrk="1" latinLnBrk="0" hangingPunct="1">
+      <a:defRPr sz="891" kern="1200">
         <a:solidFill>
           <a:schemeClr val="tx1"/>
         </a:solidFill>
@@ -392,8 +392,8 @@
         <a:cs typeface="+mn-cs"/>
       </a:defRPr>
     </a:lvl1pPr>
-    <a:lvl2pPr marL="457200" algn="l" defTabSz="914400" rtl="0" eaLnBrk="1" latinLnBrk="0" hangingPunct="1">
-      <a:defRPr sz="1200" kern="1200">
+    <a:lvl2pPr marL="339995" algn="l" defTabSz="679990" rtl="0" eaLnBrk="1" latinLnBrk="0" hangingPunct="1">
+      <a:defRPr sz="891" kern="1200">
         <a:solidFill>
           <a:schemeClr val="tx1"/>
         </a:solidFill>
@@ -402,8 +402,8 @@
         <a:cs typeface="+mn-cs"/>
       </a:defRPr>
     </a:lvl2pPr>
-    <a:lvl3pPr marL="914400" algn="l" defTabSz="914400" rtl="0" eaLnBrk="1" latinLnBrk="0" hangingPunct="1">
-      <a:defRPr sz="1200" kern="1200">
+    <a:lvl3pPr marL="679990" algn="l" defTabSz="679990" rtl="0" eaLnBrk="1" latinLnBrk="0" hangingPunct="1">
+      <a:defRPr sz="891" kern="1200">
         <a:solidFill>
           <a:schemeClr val="tx1"/>
         </a:solidFill>
@@ -412,8 +412,8 @@
         <a:cs typeface="+mn-cs"/>
       </a:defRPr>
     </a:lvl3pPr>
-    <a:lvl4pPr marL="1371600" algn="l" defTabSz="914400" rtl="0" eaLnBrk="1" latinLnBrk="0" hangingPunct="1">
-      <a:defRPr sz="1200" kern="1200">
+    <a:lvl4pPr marL="1019985" algn="l" defTabSz="679990" rtl="0" eaLnBrk="1" latinLnBrk="0" hangingPunct="1">
+      <a:defRPr sz="891" kern="1200">
         <a:solidFill>
           <a:schemeClr val="tx1"/>
         </a:solidFill>
@@ -422,8 +422,8 @@
         <a:cs typeface="+mn-cs"/>
       </a:defRPr>
     </a:lvl4pPr>
-    <a:lvl5pPr marL="1828800" algn="l" defTabSz="914400" rtl="0" eaLnBrk="1" latinLnBrk="0" hangingPunct="1">
-      <a:defRPr sz="1200" kern="1200">
+    <a:lvl5pPr marL="1359982" algn="l" defTabSz="679990" rtl="0" eaLnBrk="1" latinLnBrk="0" hangingPunct="1">
+      <a:defRPr sz="891" kern="1200">
         <a:solidFill>
           <a:schemeClr val="tx1"/>
         </a:solidFill>
@@ -432,8 +432,8 @@
         <a:cs typeface="+mn-cs"/>
       </a:defRPr>
     </a:lvl5pPr>
-    <a:lvl6pPr marL="2286000" algn="l" defTabSz="914400" rtl="0" eaLnBrk="1" latinLnBrk="0" hangingPunct="1">
-      <a:defRPr sz="1200" kern="1200">
+    <a:lvl6pPr marL="1699977" algn="l" defTabSz="679990" rtl="0" eaLnBrk="1" latinLnBrk="0" hangingPunct="1">
+      <a:defRPr sz="891" kern="1200">
         <a:solidFill>
           <a:schemeClr val="tx1"/>
         </a:solidFill>
@@ -442,8 +442,8 @@
         <a:cs typeface="+mn-cs"/>
       </a:defRPr>
     </a:lvl6pPr>
-    <a:lvl7pPr marL="2743200" algn="l" defTabSz="914400" rtl="0" eaLnBrk="1" latinLnBrk="0" hangingPunct="1">
-      <a:defRPr sz="1200" kern="1200">
+    <a:lvl7pPr marL="2039971" algn="l" defTabSz="679990" rtl="0" eaLnBrk="1" latinLnBrk="0" hangingPunct="1">
+      <a:defRPr sz="891" kern="1200">
         <a:solidFill>
           <a:schemeClr val="tx1"/>
         </a:solidFill>
@@ -452,8 +452,8 @@
         <a:cs typeface="+mn-cs"/>
       </a:defRPr>
     </a:lvl7pPr>
-    <a:lvl8pPr marL="3200400" algn="l" defTabSz="914400" rtl="0" eaLnBrk="1" latinLnBrk="0" hangingPunct="1">
-      <a:defRPr sz="1200" kern="1200">
+    <a:lvl8pPr marL="2379965" algn="l" defTabSz="679990" rtl="0" eaLnBrk="1" latinLnBrk="0" hangingPunct="1">
+      <a:defRPr sz="891" kern="1200">
         <a:solidFill>
           <a:schemeClr val="tx1"/>
         </a:solidFill>
@@ -462,8 +462,8 @@
         <a:cs typeface="+mn-cs"/>
       </a:defRPr>
     </a:lvl8pPr>
-    <a:lvl9pPr marL="3657600" algn="l" defTabSz="914400" rtl="0" eaLnBrk="1" latinLnBrk="0" hangingPunct="1">
-      <a:defRPr sz="1200" kern="1200">
+    <a:lvl9pPr marL="2719962" algn="l" defTabSz="679990" rtl="0" eaLnBrk="1" latinLnBrk="0" hangingPunct="1">
+      <a:defRPr sz="891" kern="1200">
         <a:solidFill>
           <a:schemeClr val="tx1"/>
         </a:solidFill>
@@ -503,7 +503,12 @@
             <p:ph type="sldImg"/>
           </p:nvPr>
         </p:nvSpPr>
-        <p:spPr/>
+        <p:spPr>
+          <a:xfrm>
+            <a:off x="2039938" y="1143000"/>
+            <a:ext cx="2778125" cy="3086100"/>
+          </a:xfrm>
+        </p:spPr>
       </p:sp>
       <p:sp>
         <p:nvSpPr>
@@ -589,15 +594,15 @@
         </p:nvSpPr>
         <p:spPr>
           <a:xfrm>
-            <a:off x="685800" y="1122363"/>
-            <a:ext cx="7772400" cy="2387600"/>
+            <a:off x="308610" y="748242"/>
+            <a:ext cx="3497580" cy="1591733"/>
           </a:xfrm>
         </p:spPr>
         <p:txBody>
           <a:bodyPr anchor="b"/>
           <a:lstStyle>
             <a:lvl1pPr algn="ctr">
-              <a:defRPr sz="6000"/>
+              <a:defRPr sz="2700"/>
             </a:lvl1pPr>
           </a:lstStyle>
           <a:p>
@@ -621,8 +626,8 @@
         </p:nvSpPr>
         <p:spPr>
           <a:xfrm>
-            <a:off x="1143000" y="3602038"/>
-            <a:ext cx="6858000" cy="1655762"/>
+            <a:off x="514350" y="2401359"/>
+            <a:ext cx="3086100" cy="1103841"/>
           </a:xfrm>
         </p:spPr>
         <p:txBody>
@@ -630,39 +635,39 @@
           <a:lstStyle>
             <a:lvl1pPr marL="0" indent="0" algn="ctr">
               <a:buNone/>
-              <a:defRPr sz="2400"/>
+              <a:defRPr sz="1080"/>
             </a:lvl1pPr>
-            <a:lvl2pPr marL="457200" indent="0" algn="ctr">
-              <a:buNone/>
-              <a:defRPr sz="2000"/>
+            <a:lvl2pPr marL="205740" indent="0" algn="ctr">
+              <a:buNone/>
+              <a:defRPr sz="900"/>
             </a:lvl2pPr>
-            <a:lvl3pPr marL="914400" indent="0" algn="ctr">
-              <a:buNone/>
-              <a:defRPr sz="1800"/>
+            <a:lvl3pPr marL="411480" indent="0" algn="ctr">
+              <a:buNone/>
+              <a:defRPr sz="810"/>
             </a:lvl3pPr>
-            <a:lvl4pPr marL="1371600" indent="0" algn="ctr">
-              <a:buNone/>
-              <a:defRPr sz="1600"/>
+            <a:lvl4pPr marL="617220" indent="0" algn="ctr">
+              <a:buNone/>
+              <a:defRPr sz="720"/>
             </a:lvl4pPr>
-            <a:lvl5pPr marL="1828800" indent="0" algn="ctr">
-              <a:buNone/>
-              <a:defRPr sz="1600"/>
+            <a:lvl5pPr marL="822960" indent="0" algn="ctr">
+              <a:buNone/>
+              <a:defRPr sz="720"/>
             </a:lvl5pPr>
-            <a:lvl6pPr marL="2286000" indent="0" algn="ctr">
-              <a:buNone/>
-              <a:defRPr sz="1600"/>
+            <a:lvl6pPr marL="1028700" indent="0" algn="ctr">
+              <a:buNone/>
+              <a:defRPr sz="720"/>
             </a:lvl6pPr>
-            <a:lvl7pPr marL="2743200" indent="0" algn="ctr">
-              <a:buNone/>
-              <a:defRPr sz="1600"/>
+            <a:lvl7pPr marL="1234440" indent="0" algn="ctr">
+              <a:buNone/>
+              <a:defRPr sz="720"/>
             </a:lvl7pPr>
-            <a:lvl8pPr marL="3200400" indent="0" algn="ctr">
-              <a:buNone/>
-              <a:defRPr sz="1600"/>
+            <a:lvl8pPr marL="1440180" indent="0" algn="ctr">
+              <a:buNone/>
+              <a:defRPr sz="720"/>
             </a:lvl8pPr>
-            <a:lvl9pPr marL="3657600" indent="0" algn="ctr">
-              <a:buNone/>
-              <a:defRPr sz="1600"/>
+            <a:lvl9pPr marL="1645920" indent="0" algn="ctr">
+              <a:buNone/>
+              <a:defRPr sz="720"/>
             </a:lvl9pPr>
           </a:lstStyle>
           <a:p>
@@ -691,7 +696,7 @@
           <a:p>
             <a:fld id="{667D983D-26EB-3340-90DF-645E9736958B}" type="datetimeFigureOut">
               <a:rPr lang="en-US" smtClean="0"/>
-              <a:t>6/3/20</a:t>
+              <a:t>6/4/20</a:t>
             </a:fld>
             <a:endParaRPr lang="en-US"/>
           </a:p>
@@ -742,7 +747,7 @@
     </p:spTree>
     <p:extLst>
       <p:ext uri="{BB962C8B-B14F-4D97-AF65-F5344CB8AC3E}">
-        <p14:creationId xmlns:p14="http://schemas.microsoft.com/office/powerpoint/2010/main" val="858434124"/>
+        <p14:creationId xmlns:p14="http://schemas.microsoft.com/office/powerpoint/2010/main" val="366572165"/>
       </p:ext>
     </p:extLst>
   </p:cSld>
@@ -861,7 +866,7 @@
           <a:p>
             <a:fld id="{667D983D-26EB-3340-90DF-645E9736958B}" type="datetimeFigureOut">
               <a:rPr lang="en-US" smtClean="0"/>
-              <a:t>6/3/20</a:t>
+              <a:t>6/4/20</a:t>
             </a:fld>
             <a:endParaRPr lang="en-US"/>
           </a:p>
@@ -912,7 +917,7 @@
     </p:spTree>
     <p:extLst>
       <p:ext uri="{BB962C8B-B14F-4D97-AF65-F5344CB8AC3E}">
-        <p14:creationId xmlns:p14="http://schemas.microsoft.com/office/powerpoint/2010/main" val="173303347"/>
+        <p14:creationId xmlns:p14="http://schemas.microsoft.com/office/powerpoint/2010/main" val="352714657"/>
       </p:ext>
     </p:extLst>
   </p:cSld>
@@ -951,8 +956,8 @@
         </p:nvSpPr>
         <p:spPr>
           <a:xfrm>
-            <a:off x="6543675" y="365125"/>
-            <a:ext cx="1971675" cy="5811838"/>
+            <a:off x="2944654" y="243417"/>
+            <a:ext cx="887254" cy="3874559"/>
           </a:xfrm>
         </p:spPr>
         <p:txBody>
@@ -979,8 +984,8 @@
         </p:nvSpPr>
         <p:spPr>
           <a:xfrm>
-            <a:off x="628650" y="365125"/>
-            <a:ext cx="5800725" cy="5811838"/>
+            <a:off x="282893" y="243417"/>
+            <a:ext cx="2610326" cy="3874559"/>
           </a:xfrm>
         </p:spPr>
         <p:txBody>
@@ -1041,7 +1046,7 @@
           <a:p>
             <a:fld id="{667D983D-26EB-3340-90DF-645E9736958B}" type="datetimeFigureOut">
               <a:rPr lang="en-US" smtClean="0"/>
-              <a:t>6/3/20</a:t>
+              <a:t>6/4/20</a:t>
             </a:fld>
             <a:endParaRPr lang="en-US"/>
           </a:p>
@@ -1092,7 +1097,7 @@
     </p:spTree>
     <p:extLst>
       <p:ext uri="{BB962C8B-B14F-4D97-AF65-F5344CB8AC3E}">
-        <p14:creationId xmlns:p14="http://schemas.microsoft.com/office/powerpoint/2010/main" val="721527697"/>
+        <p14:creationId xmlns:p14="http://schemas.microsoft.com/office/powerpoint/2010/main" val="1020374479"/>
       </p:ext>
     </p:extLst>
   </p:cSld>
@@ -1211,7 +1216,7 @@
           <a:p>
             <a:fld id="{667D983D-26EB-3340-90DF-645E9736958B}" type="datetimeFigureOut">
               <a:rPr lang="en-US" smtClean="0"/>
-              <a:t>6/3/20</a:t>
+              <a:t>6/4/20</a:t>
             </a:fld>
             <a:endParaRPr lang="en-US"/>
           </a:p>
@@ -1262,7 +1267,7 @@
     </p:spTree>
     <p:extLst>
       <p:ext uri="{BB962C8B-B14F-4D97-AF65-F5344CB8AC3E}">
-        <p14:creationId xmlns:p14="http://schemas.microsoft.com/office/powerpoint/2010/main" val="907181522"/>
+        <p14:creationId xmlns:p14="http://schemas.microsoft.com/office/powerpoint/2010/main" val="1995277559"/>
       </p:ext>
     </p:extLst>
   </p:cSld>
@@ -1301,15 +1306,15 @@
         </p:nvSpPr>
         <p:spPr>
           <a:xfrm>
-            <a:off x="623888" y="1709739"/>
-            <a:ext cx="7886700" cy="2852737"/>
+            <a:off x="280750" y="1139826"/>
+            <a:ext cx="3549015" cy="1901825"/>
           </a:xfrm>
         </p:spPr>
         <p:txBody>
           <a:bodyPr anchor="b"/>
           <a:lstStyle>
             <a:lvl1pPr>
-              <a:defRPr sz="6000"/>
+              <a:defRPr sz="2700"/>
             </a:lvl1pPr>
           </a:lstStyle>
           <a:p>
@@ -1333,8 +1338,8 @@
         </p:nvSpPr>
         <p:spPr>
           <a:xfrm>
-            <a:off x="623888" y="4589464"/>
-            <a:ext cx="7886700" cy="1500187"/>
+            <a:off x="280750" y="3059643"/>
+            <a:ext cx="3549015" cy="1000125"/>
           </a:xfrm>
         </p:spPr>
         <p:txBody>
@@ -1342,15 +1347,15 @@
           <a:lstStyle>
             <a:lvl1pPr marL="0" indent="0">
               <a:buNone/>
-              <a:defRPr sz="2400">
+              <a:defRPr sz="1080">
                 <a:solidFill>
                   <a:schemeClr val="tx1"/>
                 </a:solidFill>
               </a:defRPr>
             </a:lvl1pPr>
-            <a:lvl2pPr marL="457200" indent="0">
-              <a:buNone/>
-              <a:defRPr sz="2000">
+            <a:lvl2pPr marL="205740" indent="0">
+              <a:buNone/>
+              <a:defRPr sz="900">
                 <a:solidFill>
                   <a:schemeClr val="tx1">
                     <a:tint val="75000"/>
@@ -1358,9 +1363,9 @@
                 </a:solidFill>
               </a:defRPr>
             </a:lvl2pPr>
-            <a:lvl3pPr marL="914400" indent="0">
-              <a:buNone/>
-              <a:defRPr sz="1800">
+            <a:lvl3pPr marL="411480" indent="0">
+              <a:buNone/>
+              <a:defRPr sz="810">
                 <a:solidFill>
                   <a:schemeClr val="tx1">
                     <a:tint val="75000"/>
@@ -1368,9 +1373,9 @@
                 </a:solidFill>
               </a:defRPr>
             </a:lvl3pPr>
-            <a:lvl4pPr marL="1371600" indent="0">
-              <a:buNone/>
-              <a:defRPr sz="1600">
+            <a:lvl4pPr marL="617220" indent="0">
+              <a:buNone/>
+              <a:defRPr sz="720">
                 <a:solidFill>
                   <a:schemeClr val="tx1">
                     <a:tint val="75000"/>
@@ -1378,9 +1383,9 @@
                 </a:solidFill>
               </a:defRPr>
             </a:lvl4pPr>
-            <a:lvl5pPr marL="1828800" indent="0">
-              <a:buNone/>
-              <a:defRPr sz="1600">
+            <a:lvl5pPr marL="822960" indent="0">
+              <a:buNone/>
+              <a:defRPr sz="720">
                 <a:solidFill>
                   <a:schemeClr val="tx1">
                     <a:tint val="75000"/>
@@ -1388,9 +1393,9 @@
                 </a:solidFill>
               </a:defRPr>
             </a:lvl5pPr>
-            <a:lvl6pPr marL="2286000" indent="0">
-              <a:buNone/>
-              <a:defRPr sz="1600">
+            <a:lvl6pPr marL="1028700" indent="0">
+              <a:buNone/>
+              <a:defRPr sz="720">
                 <a:solidFill>
                   <a:schemeClr val="tx1">
                     <a:tint val="75000"/>
@@ -1398,9 +1403,9 @@
                 </a:solidFill>
               </a:defRPr>
             </a:lvl6pPr>
-            <a:lvl7pPr marL="2743200" indent="0">
-              <a:buNone/>
-              <a:defRPr sz="1600">
+            <a:lvl7pPr marL="1234440" indent="0">
+              <a:buNone/>
+              <a:defRPr sz="720">
                 <a:solidFill>
                   <a:schemeClr val="tx1">
                     <a:tint val="75000"/>
@@ -1408,9 +1413,9 @@
                 </a:solidFill>
               </a:defRPr>
             </a:lvl7pPr>
-            <a:lvl8pPr marL="3200400" indent="0">
-              <a:buNone/>
-              <a:defRPr sz="1600">
+            <a:lvl8pPr marL="1440180" indent="0">
+              <a:buNone/>
+              <a:defRPr sz="720">
                 <a:solidFill>
                   <a:schemeClr val="tx1">
                     <a:tint val="75000"/>
@@ -1418,9 +1423,9 @@
                 </a:solidFill>
               </a:defRPr>
             </a:lvl8pPr>
-            <a:lvl9pPr marL="3657600" indent="0">
-              <a:buNone/>
-              <a:defRPr sz="1600">
+            <a:lvl9pPr marL="1645920" indent="0">
+              <a:buNone/>
+              <a:defRPr sz="720">
                 <a:solidFill>
                   <a:schemeClr val="tx1">
                     <a:tint val="75000"/>
@@ -1455,7 +1460,7 @@
           <a:p>
             <a:fld id="{667D983D-26EB-3340-90DF-645E9736958B}" type="datetimeFigureOut">
               <a:rPr lang="en-US" smtClean="0"/>
-              <a:t>6/3/20</a:t>
+              <a:t>6/4/20</a:t>
             </a:fld>
             <a:endParaRPr lang="en-US"/>
           </a:p>
@@ -1506,7 +1511,7 @@
     </p:spTree>
     <p:extLst>
       <p:ext uri="{BB962C8B-B14F-4D97-AF65-F5344CB8AC3E}">
-        <p14:creationId xmlns:p14="http://schemas.microsoft.com/office/powerpoint/2010/main" val="2013430201"/>
+        <p14:creationId xmlns:p14="http://schemas.microsoft.com/office/powerpoint/2010/main" val="1672786208"/>
       </p:ext>
     </p:extLst>
   </p:cSld>
@@ -1568,8 +1573,8 @@
         </p:nvSpPr>
         <p:spPr>
           <a:xfrm>
-            <a:off x="628650" y="1825625"/>
-            <a:ext cx="3886200" cy="4351338"/>
+            <a:off x="282893" y="1217083"/>
+            <a:ext cx="1748790" cy="2900892"/>
           </a:xfrm>
         </p:spPr>
         <p:txBody>
@@ -1625,8 +1630,8 @@
         </p:nvSpPr>
         <p:spPr>
           <a:xfrm>
-            <a:off x="4629150" y="1825625"/>
-            <a:ext cx="3886200" cy="4351338"/>
+            <a:off x="2083118" y="1217083"/>
+            <a:ext cx="1748790" cy="2900892"/>
           </a:xfrm>
         </p:spPr>
         <p:txBody>
@@ -1687,7 +1692,7 @@
           <a:p>
             <a:fld id="{667D983D-26EB-3340-90DF-645E9736958B}" type="datetimeFigureOut">
               <a:rPr lang="en-US" smtClean="0"/>
-              <a:t>6/3/20</a:t>
+              <a:t>6/4/20</a:t>
             </a:fld>
             <a:endParaRPr lang="en-US"/>
           </a:p>
@@ -1738,7 +1743,7 @@
     </p:spTree>
     <p:extLst>
       <p:ext uri="{BB962C8B-B14F-4D97-AF65-F5344CB8AC3E}">
-        <p14:creationId xmlns:p14="http://schemas.microsoft.com/office/powerpoint/2010/main" val="1821562428"/>
+        <p14:creationId xmlns:p14="http://schemas.microsoft.com/office/powerpoint/2010/main" val="1809374979"/>
       </p:ext>
     </p:extLst>
   </p:cSld>
@@ -1777,8 +1782,8 @@
         </p:nvSpPr>
         <p:spPr>
           <a:xfrm>
-            <a:off x="629841" y="365126"/>
-            <a:ext cx="7886700" cy="1325563"/>
+            <a:off x="283428" y="243418"/>
+            <a:ext cx="3549015" cy="883709"/>
           </a:xfrm>
         </p:spPr>
         <p:txBody>
@@ -1805,8 +1810,8 @@
         </p:nvSpPr>
         <p:spPr>
           <a:xfrm>
-            <a:off x="629842" y="1681163"/>
-            <a:ext cx="3868340" cy="823912"/>
+            <a:off x="283429" y="1120775"/>
+            <a:ext cx="1740753" cy="549275"/>
           </a:xfrm>
         </p:spPr>
         <p:txBody>
@@ -1814,39 +1819,39 @@
           <a:lstStyle>
             <a:lvl1pPr marL="0" indent="0">
               <a:buNone/>
-              <a:defRPr sz="2400" b="1"/>
+              <a:defRPr sz="1080" b="1"/>
             </a:lvl1pPr>
-            <a:lvl2pPr marL="457200" indent="0">
-              <a:buNone/>
-              <a:defRPr sz="2000" b="1"/>
+            <a:lvl2pPr marL="205740" indent="0">
+              <a:buNone/>
+              <a:defRPr sz="900" b="1"/>
             </a:lvl2pPr>
-            <a:lvl3pPr marL="914400" indent="0">
-              <a:buNone/>
-              <a:defRPr sz="1800" b="1"/>
+            <a:lvl3pPr marL="411480" indent="0">
+              <a:buNone/>
+              <a:defRPr sz="810" b="1"/>
             </a:lvl3pPr>
-            <a:lvl4pPr marL="1371600" indent="0">
-              <a:buNone/>
-              <a:defRPr sz="1600" b="1"/>
+            <a:lvl4pPr marL="617220" indent="0">
+              <a:buNone/>
+              <a:defRPr sz="720" b="1"/>
             </a:lvl4pPr>
-            <a:lvl5pPr marL="1828800" indent="0">
-              <a:buNone/>
-              <a:defRPr sz="1600" b="1"/>
+            <a:lvl5pPr marL="822960" indent="0">
+              <a:buNone/>
+              <a:defRPr sz="720" b="1"/>
             </a:lvl5pPr>
-            <a:lvl6pPr marL="2286000" indent="0">
-              <a:buNone/>
-              <a:defRPr sz="1600" b="1"/>
+            <a:lvl6pPr marL="1028700" indent="0">
+              <a:buNone/>
+              <a:defRPr sz="720" b="1"/>
             </a:lvl6pPr>
-            <a:lvl7pPr marL="2743200" indent="0">
-              <a:buNone/>
-              <a:defRPr sz="1600" b="1"/>
+            <a:lvl7pPr marL="1234440" indent="0">
+              <a:buNone/>
+              <a:defRPr sz="720" b="1"/>
             </a:lvl7pPr>
-            <a:lvl8pPr marL="3200400" indent="0">
-              <a:buNone/>
-              <a:defRPr sz="1600" b="1"/>
+            <a:lvl8pPr marL="1440180" indent="0">
+              <a:buNone/>
+              <a:defRPr sz="720" b="1"/>
             </a:lvl8pPr>
-            <a:lvl9pPr marL="3657600" indent="0">
-              <a:buNone/>
-              <a:defRPr sz="1600" b="1"/>
+            <a:lvl9pPr marL="1645920" indent="0">
+              <a:buNone/>
+              <a:defRPr sz="720" b="1"/>
             </a:lvl9pPr>
           </a:lstStyle>
           <a:p>
@@ -1870,8 +1875,8 @@
         </p:nvSpPr>
         <p:spPr>
           <a:xfrm>
-            <a:off x="629842" y="2505075"/>
-            <a:ext cx="3868340" cy="3684588"/>
+            <a:off x="283429" y="1670050"/>
+            <a:ext cx="1740753" cy="2456392"/>
           </a:xfrm>
         </p:spPr>
         <p:txBody>
@@ -1927,8 +1932,8 @@
         </p:nvSpPr>
         <p:spPr>
           <a:xfrm>
-            <a:off x="4629150" y="1681163"/>
-            <a:ext cx="3887391" cy="823912"/>
+            <a:off x="2083118" y="1120775"/>
+            <a:ext cx="1749326" cy="549275"/>
           </a:xfrm>
         </p:spPr>
         <p:txBody>
@@ -1936,39 +1941,39 @@
           <a:lstStyle>
             <a:lvl1pPr marL="0" indent="0">
               <a:buNone/>
-              <a:defRPr sz="2400" b="1"/>
+              <a:defRPr sz="1080" b="1"/>
             </a:lvl1pPr>
-            <a:lvl2pPr marL="457200" indent="0">
-              <a:buNone/>
-              <a:defRPr sz="2000" b="1"/>
+            <a:lvl2pPr marL="205740" indent="0">
+              <a:buNone/>
+              <a:defRPr sz="900" b="1"/>
             </a:lvl2pPr>
-            <a:lvl3pPr marL="914400" indent="0">
-              <a:buNone/>
-              <a:defRPr sz="1800" b="1"/>
+            <a:lvl3pPr marL="411480" indent="0">
+              <a:buNone/>
+              <a:defRPr sz="810" b="1"/>
             </a:lvl3pPr>
-            <a:lvl4pPr marL="1371600" indent="0">
-              <a:buNone/>
-              <a:defRPr sz="1600" b="1"/>
+            <a:lvl4pPr marL="617220" indent="0">
+              <a:buNone/>
+              <a:defRPr sz="720" b="1"/>
             </a:lvl4pPr>
-            <a:lvl5pPr marL="1828800" indent="0">
-              <a:buNone/>
-              <a:defRPr sz="1600" b="1"/>
+            <a:lvl5pPr marL="822960" indent="0">
+              <a:buNone/>
+              <a:defRPr sz="720" b="1"/>
             </a:lvl5pPr>
-            <a:lvl6pPr marL="2286000" indent="0">
-              <a:buNone/>
-              <a:defRPr sz="1600" b="1"/>
+            <a:lvl6pPr marL="1028700" indent="0">
+              <a:buNone/>
+              <a:defRPr sz="720" b="1"/>
             </a:lvl6pPr>
-            <a:lvl7pPr marL="2743200" indent="0">
-              <a:buNone/>
-              <a:defRPr sz="1600" b="1"/>
+            <a:lvl7pPr marL="1234440" indent="0">
+              <a:buNone/>
+              <a:defRPr sz="720" b="1"/>
             </a:lvl7pPr>
-            <a:lvl8pPr marL="3200400" indent="0">
-              <a:buNone/>
-              <a:defRPr sz="1600" b="1"/>
+            <a:lvl8pPr marL="1440180" indent="0">
+              <a:buNone/>
+              <a:defRPr sz="720" b="1"/>
             </a:lvl8pPr>
-            <a:lvl9pPr marL="3657600" indent="0">
-              <a:buNone/>
-              <a:defRPr sz="1600" b="1"/>
+            <a:lvl9pPr marL="1645920" indent="0">
+              <a:buNone/>
+              <a:defRPr sz="720" b="1"/>
             </a:lvl9pPr>
           </a:lstStyle>
           <a:p>
@@ -1992,8 +1997,8 @@
         </p:nvSpPr>
         <p:spPr>
           <a:xfrm>
-            <a:off x="4629150" y="2505075"/>
-            <a:ext cx="3887391" cy="3684588"/>
+            <a:off x="2083118" y="1670050"/>
+            <a:ext cx="1749326" cy="2456392"/>
           </a:xfrm>
         </p:spPr>
         <p:txBody>
@@ -2054,7 +2059,7 @@
           <a:p>
             <a:fld id="{667D983D-26EB-3340-90DF-645E9736958B}" type="datetimeFigureOut">
               <a:rPr lang="en-US" smtClean="0"/>
-              <a:t>6/3/20</a:t>
+              <a:t>6/4/20</a:t>
             </a:fld>
             <a:endParaRPr lang="en-US"/>
           </a:p>
@@ -2105,7 +2110,7 @@
     </p:spTree>
     <p:extLst>
       <p:ext uri="{BB962C8B-B14F-4D97-AF65-F5344CB8AC3E}">
-        <p14:creationId xmlns:p14="http://schemas.microsoft.com/office/powerpoint/2010/main" val="472855764"/>
+        <p14:creationId xmlns:p14="http://schemas.microsoft.com/office/powerpoint/2010/main" val="1796830533"/>
       </p:ext>
     </p:extLst>
   </p:cSld>
@@ -2172,7 +2177,7 @@
           <a:p>
             <a:fld id="{667D983D-26EB-3340-90DF-645E9736958B}" type="datetimeFigureOut">
               <a:rPr lang="en-US" smtClean="0"/>
-              <a:t>6/3/20</a:t>
+              <a:t>6/4/20</a:t>
             </a:fld>
             <a:endParaRPr lang="en-US"/>
           </a:p>
@@ -2223,7 +2228,7 @@
     </p:spTree>
     <p:extLst>
       <p:ext uri="{BB962C8B-B14F-4D97-AF65-F5344CB8AC3E}">
-        <p14:creationId xmlns:p14="http://schemas.microsoft.com/office/powerpoint/2010/main" val="1597331648"/>
+        <p14:creationId xmlns:p14="http://schemas.microsoft.com/office/powerpoint/2010/main" val="1415724017"/>
       </p:ext>
     </p:extLst>
   </p:cSld>
@@ -2267,7 +2272,7 @@
           <a:p>
             <a:fld id="{667D983D-26EB-3340-90DF-645E9736958B}" type="datetimeFigureOut">
               <a:rPr lang="en-US" smtClean="0"/>
-              <a:t>6/3/20</a:t>
+              <a:t>6/4/20</a:t>
             </a:fld>
             <a:endParaRPr lang="en-US"/>
           </a:p>
@@ -2318,7 +2323,7 @@
     </p:spTree>
     <p:extLst>
       <p:ext uri="{BB962C8B-B14F-4D97-AF65-F5344CB8AC3E}">
-        <p14:creationId xmlns:p14="http://schemas.microsoft.com/office/powerpoint/2010/main" val="659936789"/>
+        <p14:creationId xmlns:p14="http://schemas.microsoft.com/office/powerpoint/2010/main" val="2102228606"/>
       </p:ext>
     </p:extLst>
   </p:cSld>
@@ -2357,15 +2362,15 @@
         </p:nvSpPr>
         <p:spPr>
           <a:xfrm>
-            <a:off x="629841" y="457200"/>
-            <a:ext cx="2949178" cy="1600200"/>
+            <a:off x="283429" y="304800"/>
+            <a:ext cx="1327130" cy="1066800"/>
           </a:xfrm>
         </p:spPr>
         <p:txBody>
           <a:bodyPr anchor="b"/>
           <a:lstStyle>
             <a:lvl1pPr>
-              <a:defRPr sz="3200"/>
+              <a:defRPr sz="1440"/>
             </a:lvl1pPr>
           </a:lstStyle>
           <a:p>
@@ -2389,39 +2394,39 @@
         </p:nvSpPr>
         <p:spPr>
           <a:xfrm>
-            <a:off x="3887391" y="987426"/>
-            <a:ext cx="4629150" cy="4873625"/>
+            <a:off x="1749326" y="658285"/>
+            <a:ext cx="2083118" cy="3249083"/>
           </a:xfrm>
         </p:spPr>
         <p:txBody>
           <a:bodyPr/>
           <a:lstStyle>
             <a:lvl1pPr>
-              <a:defRPr sz="3200"/>
+              <a:defRPr sz="1440"/>
             </a:lvl1pPr>
             <a:lvl2pPr>
-              <a:defRPr sz="2800"/>
+              <a:defRPr sz="1260"/>
             </a:lvl2pPr>
             <a:lvl3pPr>
-              <a:defRPr sz="2400"/>
+              <a:defRPr sz="1080"/>
             </a:lvl3pPr>
             <a:lvl4pPr>
-              <a:defRPr sz="2000"/>
+              <a:defRPr sz="900"/>
             </a:lvl4pPr>
             <a:lvl5pPr>
-              <a:defRPr sz="2000"/>
+              <a:defRPr sz="900"/>
             </a:lvl5pPr>
             <a:lvl6pPr>
-              <a:defRPr sz="2000"/>
+              <a:defRPr sz="900"/>
             </a:lvl6pPr>
             <a:lvl7pPr>
-              <a:defRPr sz="2000"/>
+              <a:defRPr sz="900"/>
             </a:lvl7pPr>
             <a:lvl8pPr>
-              <a:defRPr sz="2000"/>
+              <a:defRPr sz="900"/>
             </a:lvl8pPr>
             <a:lvl9pPr>
-              <a:defRPr sz="2000"/>
+              <a:defRPr sz="900"/>
             </a:lvl9pPr>
           </a:lstStyle>
           <a:p>
@@ -2474,8 +2479,8 @@
         </p:nvSpPr>
         <p:spPr>
           <a:xfrm>
-            <a:off x="629841" y="2057400"/>
-            <a:ext cx="2949178" cy="3811588"/>
+            <a:off x="283429" y="1371600"/>
+            <a:ext cx="1327130" cy="2541059"/>
           </a:xfrm>
         </p:spPr>
         <p:txBody>
@@ -2483,39 +2488,39 @@
           <a:lstStyle>
             <a:lvl1pPr marL="0" indent="0">
               <a:buNone/>
-              <a:defRPr sz="1600"/>
+              <a:defRPr sz="720"/>
             </a:lvl1pPr>
-            <a:lvl2pPr marL="457200" indent="0">
-              <a:buNone/>
-              <a:defRPr sz="1400"/>
+            <a:lvl2pPr marL="205740" indent="0">
+              <a:buNone/>
+              <a:defRPr sz="630"/>
             </a:lvl2pPr>
-            <a:lvl3pPr marL="914400" indent="0">
-              <a:buNone/>
-              <a:defRPr sz="1200"/>
+            <a:lvl3pPr marL="411480" indent="0">
+              <a:buNone/>
+              <a:defRPr sz="540"/>
             </a:lvl3pPr>
-            <a:lvl4pPr marL="1371600" indent="0">
-              <a:buNone/>
-              <a:defRPr sz="1000"/>
+            <a:lvl4pPr marL="617220" indent="0">
+              <a:buNone/>
+              <a:defRPr sz="450"/>
             </a:lvl4pPr>
-            <a:lvl5pPr marL="1828800" indent="0">
-              <a:buNone/>
-              <a:defRPr sz="1000"/>
+            <a:lvl5pPr marL="822960" indent="0">
+              <a:buNone/>
+              <a:defRPr sz="450"/>
             </a:lvl5pPr>
-            <a:lvl6pPr marL="2286000" indent="0">
-              <a:buNone/>
-              <a:defRPr sz="1000"/>
+            <a:lvl6pPr marL="1028700" indent="0">
+              <a:buNone/>
+              <a:defRPr sz="450"/>
             </a:lvl6pPr>
-            <a:lvl7pPr marL="2743200" indent="0">
-              <a:buNone/>
-              <a:defRPr sz="1000"/>
+            <a:lvl7pPr marL="1234440" indent="0">
+              <a:buNone/>
+              <a:defRPr sz="450"/>
             </a:lvl7pPr>
-            <a:lvl8pPr marL="3200400" indent="0">
-              <a:buNone/>
-              <a:defRPr sz="1000"/>
+            <a:lvl8pPr marL="1440180" indent="0">
+              <a:buNone/>
+              <a:defRPr sz="450"/>
             </a:lvl8pPr>
-            <a:lvl9pPr marL="3657600" indent="0">
-              <a:buNone/>
-              <a:defRPr sz="1000"/>
+            <a:lvl9pPr marL="1645920" indent="0">
+              <a:buNone/>
+              <a:defRPr sz="450"/>
             </a:lvl9pPr>
           </a:lstStyle>
           <a:p>
@@ -2544,7 +2549,7 @@
           <a:p>
             <a:fld id="{667D983D-26EB-3340-90DF-645E9736958B}" type="datetimeFigureOut">
               <a:rPr lang="en-US" smtClean="0"/>
-              <a:t>6/3/20</a:t>
+              <a:t>6/4/20</a:t>
             </a:fld>
             <a:endParaRPr lang="en-US"/>
           </a:p>
@@ -2595,7 +2600,7 @@
     </p:spTree>
     <p:extLst>
       <p:ext uri="{BB962C8B-B14F-4D97-AF65-F5344CB8AC3E}">
-        <p14:creationId xmlns:p14="http://schemas.microsoft.com/office/powerpoint/2010/main" val="1952059615"/>
+        <p14:creationId xmlns:p14="http://schemas.microsoft.com/office/powerpoint/2010/main" val="1755220598"/>
       </p:ext>
     </p:extLst>
   </p:cSld>
@@ -2634,15 +2639,15 @@
         </p:nvSpPr>
         <p:spPr>
           <a:xfrm>
-            <a:off x="629841" y="457200"/>
-            <a:ext cx="2949178" cy="1600200"/>
+            <a:off x="283429" y="304800"/>
+            <a:ext cx="1327130" cy="1066800"/>
           </a:xfrm>
         </p:spPr>
         <p:txBody>
           <a:bodyPr anchor="b"/>
           <a:lstStyle>
             <a:lvl1pPr>
-              <a:defRPr sz="3200"/>
+              <a:defRPr sz="1440"/>
             </a:lvl1pPr>
           </a:lstStyle>
           <a:p>
@@ -2666,8 +2671,8 @@
         </p:nvSpPr>
         <p:spPr>
           <a:xfrm>
-            <a:off x="3887391" y="987426"/>
-            <a:ext cx="4629150" cy="4873625"/>
+            <a:off x="1749326" y="658285"/>
+            <a:ext cx="2083118" cy="3249083"/>
           </a:xfrm>
         </p:spPr>
         <p:txBody>
@@ -2675,39 +2680,39 @@
           <a:lstStyle>
             <a:lvl1pPr marL="0" indent="0">
               <a:buNone/>
-              <a:defRPr sz="3200"/>
+              <a:defRPr sz="1440"/>
             </a:lvl1pPr>
-            <a:lvl2pPr marL="457200" indent="0">
-              <a:buNone/>
-              <a:defRPr sz="2800"/>
+            <a:lvl2pPr marL="205740" indent="0">
+              <a:buNone/>
+              <a:defRPr sz="1260"/>
             </a:lvl2pPr>
-            <a:lvl3pPr marL="914400" indent="0">
-              <a:buNone/>
-              <a:defRPr sz="2400"/>
+            <a:lvl3pPr marL="411480" indent="0">
+              <a:buNone/>
+              <a:defRPr sz="1080"/>
             </a:lvl3pPr>
-            <a:lvl4pPr marL="1371600" indent="0">
-              <a:buNone/>
-              <a:defRPr sz="2000"/>
+            <a:lvl4pPr marL="617220" indent="0">
+              <a:buNone/>
+              <a:defRPr sz="900"/>
             </a:lvl4pPr>
-            <a:lvl5pPr marL="1828800" indent="0">
-              <a:buNone/>
-              <a:defRPr sz="2000"/>
+            <a:lvl5pPr marL="822960" indent="0">
+              <a:buNone/>
+              <a:defRPr sz="900"/>
             </a:lvl5pPr>
-            <a:lvl6pPr marL="2286000" indent="0">
-              <a:buNone/>
-              <a:defRPr sz="2000"/>
+            <a:lvl6pPr marL="1028700" indent="0">
+              <a:buNone/>
+              <a:defRPr sz="900"/>
             </a:lvl6pPr>
-            <a:lvl7pPr marL="2743200" indent="0">
-              <a:buNone/>
-              <a:defRPr sz="2000"/>
+            <a:lvl7pPr marL="1234440" indent="0">
+              <a:buNone/>
+              <a:defRPr sz="900"/>
             </a:lvl7pPr>
-            <a:lvl8pPr marL="3200400" indent="0">
-              <a:buNone/>
-              <a:defRPr sz="2000"/>
+            <a:lvl8pPr marL="1440180" indent="0">
+              <a:buNone/>
+              <a:defRPr sz="900"/>
             </a:lvl8pPr>
-            <a:lvl9pPr marL="3657600" indent="0">
-              <a:buNone/>
-              <a:defRPr sz="2000"/>
+            <a:lvl9pPr marL="1645920" indent="0">
+              <a:buNone/>
+              <a:defRPr sz="900"/>
             </a:lvl9pPr>
           </a:lstStyle>
           <a:p>
@@ -2731,8 +2736,8 @@
         </p:nvSpPr>
         <p:spPr>
           <a:xfrm>
-            <a:off x="629841" y="2057400"/>
-            <a:ext cx="2949178" cy="3811588"/>
+            <a:off x="283429" y="1371600"/>
+            <a:ext cx="1327130" cy="2541059"/>
           </a:xfrm>
         </p:spPr>
         <p:txBody>
@@ -2740,39 +2745,39 @@
           <a:lstStyle>
             <a:lvl1pPr marL="0" indent="0">
               <a:buNone/>
-              <a:defRPr sz="1600"/>
+              <a:defRPr sz="720"/>
             </a:lvl1pPr>
-            <a:lvl2pPr marL="457200" indent="0">
-              <a:buNone/>
-              <a:defRPr sz="1400"/>
+            <a:lvl2pPr marL="205740" indent="0">
+              <a:buNone/>
+              <a:defRPr sz="630"/>
             </a:lvl2pPr>
-            <a:lvl3pPr marL="914400" indent="0">
-              <a:buNone/>
-              <a:defRPr sz="1200"/>
+            <a:lvl3pPr marL="411480" indent="0">
+              <a:buNone/>
+              <a:defRPr sz="540"/>
             </a:lvl3pPr>
-            <a:lvl4pPr marL="1371600" indent="0">
-              <a:buNone/>
-              <a:defRPr sz="1000"/>
+            <a:lvl4pPr marL="617220" indent="0">
+              <a:buNone/>
+              <a:defRPr sz="450"/>
             </a:lvl4pPr>
-            <a:lvl5pPr marL="1828800" indent="0">
-              <a:buNone/>
-              <a:defRPr sz="1000"/>
+            <a:lvl5pPr marL="822960" indent="0">
+              <a:buNone/>
+              <a:defRPr sz="450"/>
             </a:lvl5pPr>
-            <a:lvl6pPr marL="2286000" indent="0">
-              <a:buNone/>
-              <a:defRPr sz="1000"/>
+            <a:lvl6pPr marL="1028700" indent="0">
+              <a:buNone/>
+              <a:defRPr sz="450"/>
             </a:lvl6pPr>
-            <a:lvl7pPr marL="2743200" indent="0">
-              <a:buNone/>
-              <a:defRPr sz="1000"/>
+            <a:lvl7pPr marL="1234440" indent="0">
+              <a:buNone/>
+              <a:defRPr sz="450"/>
             </a:lvl7pPr>
-            <a:lvl8pPr marL="3200400" indent="0">
-              <a:buNone/>
-              <a:defRPr sz="1000"/>
+            <a:lvl8pPr marL="1440180" indent="0">
+              <a:buNone/>
+              <a:defRPr sz="450"/>
             </a:lvl8pPr>
-            <a:lvl9pPr marL="3657600" indent="0">
-              <a:buNone/>
-              <a:defRPr sz="1000"/>
+            <a:lvl9pPr marL="1645920" indent="0">
+              <a:buNone/>
+              <a:defRPr sz="450"/>
             </a:lvl9pPr>
           </a:lstStyle>
           <a:p>
@@ -2801,7 +2806,7 @@
           <a:p>
             <a:fld id="{667D983D-26EB-3340-90DF-645E9736958B}" type="datetimeFigureOut">
               <a:rPr lang="en-US" smtClean="0"/>
-              <a:t>6/3/20</a:t>
+              <a:t>6/4/20</a:t>
             </a:fld>
             <a:endParaRPr lang="en-US"/>
           </a:p>
@@ -2852,7 +2857,7 @@
     </p:spTree>
     <p:extLst>
       <p:ext uri="{BB962C8B-B14F-4D97-AF65-F5344CB8AC3E}">
-        <p14:creationId xmlns:p14="http://schemas.microsoft.com/office/powerpoint/2010/main" val="1158274086"/>
+        <p14:creationId xmlns:p14="http://schemas.microsoft.com/office/powerpoint/2010/main" val="9731747"/>
       </p:ext>
     </p:extLst>
   </p:cSld>
@@ -2896,8 +2901,8 @@
         </p:nvSpPr>
         <p:spPr>
           <a:xfrm>
-            <a:off x="628650" y="365126"/>
-            <a:ext cx="7886700" cy="1325563"/>
+            <a:off x="282893" y="243418"/>
+            <a:ext cx="3549015" cy="883709"/>
           </a:xfrm>
           <a:prstGeom prst="rect">
             <a:avLst/>
@@ -2929,8 +2934,8 @@
         </p:nvSpPr>
         <p:spPr>
           <a:xfrm>
-            <a:off x="628650" y="1825625"/>
-            <a:ext cx="7886700" cy="4351338"/>
+            <a:off x="282893" y="1217083"/>
+            <a:ext cx="3549015" cy="2900892"/>
           </a:xfrm>
           <a:prstGeom prst="rect">
             <a:avLst/>
@@ -2991,8 +2996,8 @@
         </p:nvSpPr>
         <p:spPr>
           <a:xfrm>
-            <a:off x="628650" y="6356351"/>
-            <a:ext cx="2057400" cy="365125"/>
+            <a:off x="282893" y="4237568"/>
+            <a:ext cx="925830" cy="243417"/>
           </a:xfrm>
           <a:prstGeom prst="rect">
             <a:avLst/>
@@ -3002,7 +3007,7 @@
           <a:bodyPr vert="horz" lIns="91440" tIns="45720" rIns="91440" bIns="45720" rtlCol="0" anchor="ctr"/>
           <a:lstStyle>
             <a:lvl1pPr algn="l">
-              <a:defRPr sz="1200">
+              <a:defRPr sz="540">
                 <a:solidFill>
                   <a:schemeClr val="tx1">
                     <a:tint val="75000"/>
@@ -3014,7 +3019,7 @@
           <a:p>
             <a:fld id="{667D983D-26EB-3340-90DF-645E9736958B}" type="datetimeFigureOut">
               <a:rPr lang="en-US" smtClean="0"/>
-              <a:t>6/3/20</a:t>
+              <a:t>6/4/20</a:t>
             </a:fld>
             <a:endParaRPr lang="en-US"/>
           </a:p>
@@ -3032,8 +3037,8 @@
         </p:nvSpPr>
         <p:spPr>
           <a:xfrm>
-            <a:off x="3028950" y="6356351"/>
-            <a:ext cx="3086100" cy="365125"/>
+            <a:off x="1363028" y="4237568"/>
+            <a:ext cx="1388745" cy="243417"/>
           </a:xfrm>
           <a:prstGeom prst="rect">
             <a:avLst/>
@@ -3043,7 +3048,7 @@
           <a:bodyPr vert="horz" lIns="91440" tIns="45720" rIns="91440" bIns="45720" rtlCol="0" anchor="ctr"/>
           <a:lstStyle>
             <a:lvl1pPr algn="ctr">
-              <a:defRPr sz="1200">
+              <a:defRPr sz="540">
                 <a:solidFill>
                   <a:schemeClr val="tx1">
                     <a:tint val="75000"/>
@@ -3069,8 +3074,8 @@
         </p:nvSpPr>
         <p:spPr>
           <a:xfrm>
-            <a:off x="6457950" y="6356351"/>
-            <a:ext cx="2057400" cy="365125"/>
+            <a:off x="2906078" y="4237568"/>
+            <a:ext cx="925830" cy="243417"/>
           </a:xfrm>
           <a:prstGeom prst="rect">
             <a:avLst/>
@@ -3080,7 +3085,7 @@
           <a:bodyPr vert="horz" lIns="91440" tIns="45720" rIns="91440" bIns="45720" rtlCol="0" anchor="ctr"/>
           <a:lstStyle>
             <a:lvl1pPr algn="r">
-              <a:defRPr sz="1200">
+              <a:defRPr sz="540">
                 <a:solidFill>
                   <a:schemeClr val="tx1">
                     <a:tint val="75000"/>
@@ -3101,27 +3106,27 @@
     </p:spTree>
     <p:extLst>
       <p:ext uri="{BB962C8B-B14F-4D97-AF65-F5344CB8AC3E}">
-        <p14:creationId xmlns:p14="http://schemas.microsoft.com/office/powerpoint/2010/main" val="1408494715"/>
+        <p14:creationId xmlns:p14="http://schemas.microsoft.com/office/powerpoint/2010/main" val="2105340312"/>
       </p:ext>
     </p:extLst>
   </p:cSld>
   <p:clrMap bg1="lt1" tx1="dk1" bg2="lt2" tx2="dk2" accent1="accent1" accent2="accent2" accent3="accent3" accent4="accent4" accent5="accent5" accent6="accent6" hlink="hlink" folHlink="folHlink"/>
   <p:sldLayoutIdLst>
-    <p:sldLayoutId id="2147483661" r:id="rId1"/>
-    <p:sldLayoutId id="2147483662" r:id="rId2"/>
-    <p:sldLayoutId id="2147483663" r:id="rId3"/>
-    <p:sldLayoutId id="2147483664" r:id="rId4"/>
-    <p:sldLayoutId id="2147483665" r:id="rId5"/>
-    <p:sldLayoutId id="2147483666" r:id="rId6"/>
-    <p:sldLayoutId id="2147483667" r:id="rId7"/>
-    <p:sldLayoutId id="2147483668" r:id="rId8"/>
-    <p:sldLayoutId id="2147483669" r:id="rId9"/>
-    <p:sldLayoutId id="2147483670" r:id="rId10"/>
-    <p:sldLayoutId id="2147483671" r:id="rId11"/>
+    <p:sldLayoutId id="2147483853" r:id="rId1"/>
+    <p:sldLayoutId id="2147483854" r:id="rId2"/>
+    <p:sldLayoutId id="2147483855" r:id="rId3"/>
+    <p:sldLayoutId id="2147483856" r:id="rId4"/>
+    <p:sldLayoutId id="2147483857" r:id="rId5"/>
+    <p:sldLayoutId id="2147483858" r:id="rId6"/>
+    <p:sldLayoutId id="2147483859" r:id="rId7"/>
+    <p:sldLayoutId id="2147483860" r:id="rId8"/>
+    <p:sldLayoutId id="2147483861" r:id="rId9"/>
+    <p:sldLayoutId id="2147483862" r:id="rId10"/>
+    <p:sldLayoutId id="2147483863" r:id="rId11"/>
   </p:sldLayoutIdLst>
   <p:txStyles>
     <p:titleStyle>
-      <a:lvl1pPr algn="l" defTabSz="914400" rtl="0" eaLnBrk="1" latinLnBrk="0" hangingPunct="1">
+      <a:lvl1pPr algn="l" defTabSz="411480" rtl="0" eaLnBrk="1" latinLnBrk="0" hangingPunct="1">
         <a:lnSpc>
           <a:spcPct val="90000"/>
         </a:lnSpc>
@@ -3129,7 +3134,7 @@
           <a:spcPct val="0"/>
         </a:spcBef>
         <a:buNone/>
-        <a:defRPr sz="4400" kern="1200">
+        <a:defRPr sz="1980" kern="1200">
           <a:solidFill>
             <a:schemeClr val="tx1"/>
           </a:solidFill>
@@ -3140,16 +3145,16 @@
       </a:lvl1pPr>
     </p:titleStyle>
     <p:bodyStyle>
-      <a:lvl1pPr marL="228600" indent="-228600" algn="l" defTabSz="914400" rtl="0" eaLnBrk="1" latinLnBrk="0" hangingPunct="1">
+      <a:lvl1pPr marL="102870" indent="-102870" algn="l" defTabSz="411480" rtl="0" eaLnBrk="1" latinLnBrk="0" hangingPunct="1">
         <a:lnSpc>
           <a:spcPct val="90000"/>
         </a:lnSpc>
         <a:spcBef>
-          <a:spcPts val="1000"/>
+          <a:spcPts val="450"/>
         </a:spcBef>
         <a:buFont typeface="Arial" panose="020B0604020202020204" pitchFamily="34" charset="0"/>
         <a:buChar char="•"/>
-        <a:defRPr sz="2800" kern="1200">
+        <a:defRPr sz="1260" kern="1200">
           <a:solidFill>
             <a:schemeClr val="tx1"/>
           </a:solidFill>
@@ -3158,16 +3163,16 @@
           <a:cs typeface="+mn-cs"/>
         </a:defRPr>
       </a:lvl1pPr>
-      <a:lvl2pPr marL="685800" indent="-228600" algn="l" defTabSz="914400" rtl="0" eaLnBrk="1" latinLnBrk="0" hangingPunct="1">
+      <a:lvl2pPr marL="308610" indent="-102870" algn="l" defTabSz="411480" rtl="0" eaLnBrk="1" latinLnBrk="0" hangingPunct="1">
         <a:lnSpc>
           <a:spcPct val="90000"/>
         </a:lnSpc>
         <a:spcBef>
-          <a:spcPts val="500"/>
+          <a:spcPts val="225"/>
         </a:spcBef>
         <a:buFont typeface="Arial" panose="020B0604020202020204" pitchFamily="34" charset="0"/>
         <a:buChar char="•"/>
-        <a:defRPr sz="2400" kern="1200">
+        <a:defRPr sz="1080" kern="1200">
           <a:solidFill>
             <a:schemeClr val="tx1"/>
           </a:solidFill>
@@ -3176,16 +3181,16 @@
           <a:cs typeface="+mn-cs"/>
         </a:defRPr>
       </a:lvl2pPr>
-      <a:lvl3pPr marL="1143000" indent="-228600" algn="l" defTabSz="914400" rtl="0" eaLnBrk="1" latinLnBrk="0" hangingPunct="1">
+      <a:lvl3pPr marL="514350" indent="-102870" algn="l" defTabSz="411480" rtl="0" eaLnBrk="1" latinLnBrk="0" hangingPunct="1">
         <a:lnSpc>
           <a:spcPct val="90000"/>
         </a:lnSpc>
         <a:spcBef>
-          <a:spcPts val="500"/>
+          <a:spcPts val="225"/>
         </a:spcBef>
         <a:buFont typeface="Arial" panose="020B0604020202020204" pitchFamily="34" charset="0"/>
         <a:buChar char="•"/>
-        <a:defRPr sz="2000" kern="1200">
+        <a:defRPr sz="900" kern="1200">
           <a:solidFill>
             <a:schemeClr val="tx1"/>
           </a:solidFill>
@@ -3194,16 +3199,16 @@
           <a:cs typeface="+mn-cs"/>
         </a:defRPr>
       </a:lvl3pPr>
-      <a:lvl4pPr marL="1600200" indent="-228600" algn="l" defTabSz="914400" rtl="0" eaLnBrk="1" latinLnBrk="0" hangingPunct="1">
+      <a:lvl4pPr marL="720090" indent="-102870" algn="l" defTabSz="411480" rtl="0" eaLnBrk="1" latinLnBrk="0" hangingPunct="1">
         <a:lnSpc>
           <a:spcPct val="90000"/>
         </a:lnSpc>
         <a:spcBef>
-          <a:spcPts val="500"/>
+          <a:spcPts val="225"/>
         </a:spcBef>
         <a:buFont typeface="Arial" panose="020B0604020202020204" pitchFamily="34" charset="0"/>
         <a:buChar char="•"/>
-        <a:defRPr sz="1800" kern="1200">
+        <a:defRPr sz="810" kern="1200">
           <a:solidFill>
             <a:schemeClr val="tx1"/>
           </a:solidFill>
@@ -3212,16 +3217,16 @@
           <a:cs typeface="+mn-cs"/>
         </a:defRPr>
       </a:lvl4pPr>
-      <a:lvl5pPr marL="2057400" indent="-228600" algn="l" defTabSz="914400" rtl="0" eaLnBrk="1" latinLnBrk="0" hangingPunct="1">
+      <a:lvl5pPr marL="925830" indent="-102870" algn="l" defTabSz="411480" rtl="0" eaLnBrk="1" latinLnBrk="0" hangingPunct="1">
         <a:lnSpc>
           <a:spcPct val="90000"/>
         </a:lnSpc>
         <a:spcBef>
-          <a:spcPts val="500"/>
+          <a:spcPts val="225"/>
         </a:spcBef>
         <a:buFont typeface="Arial" panose="020B0604020202020204" pitchFamily="34" charset="0"/>
         <a:buChar char="•"/>
-        <a:defRPr sz="1800" kern="1200">
+        <a:defRPr sz="810" kern="1200">
           <a:solidFill>
             <a:schemeClr val="tx1"/>
           </a:solidFill>
@@ -3230,16 +3235,16 @@
           <a:cs typeface="+mn-cs"/>
         </a:defRPr>
       </a:lvl5pPr>
-      <a:lvl6pPr marL="2514600" indent="-228600" algn="l" defTabSz="914400" rtl="0" eaLnBrk="1" latinLnBrk="0" hangingPunct="1">
+      <a:lvl6pPr marL="1131570" indent="-102870" algn="l" defTabSz="411480" rtl="0" eaLnBrk="1" latinLnBrk="0" hangingPunct="1">
         <a:lnSpc>
           <a:spcPct val="90000"/>
         </a:lnSpc>
         <a:spcBef>
-          <a:spcPts val="500"/>
+          <a:spcPts val="225"/>
         </a:spcBef>
         <a:buFont typeface="Arial" panose="020B0604020202020204" pitchFamily="34" charset="0"/>
         <a:buChar char="•"/>
-        <a:defRPr sz="1800" kern="1200">
+        <a:defRPr sz="810" kern="1200">
           <a:solidFill>
             <a:schemeClr val="tx1"/>
           </a:solidFill>
@@ -3248,16 +3253,16 @@
           <a:cs typeface="+mn-cs"/>
         </a:defRPr>
       </a:lvl6pPr>
-      <a:lvl7pPr marL="2971800" indent="-228600" algn="l" defTabSz="914400" rtl="0" eaLnBrk="1" latinLnBrk="0" hangingPunct="1">
+      <a:lvl7pPr marL="1337310" indent="-102870" algn="l" defTabSz="411480" rtl="0" eaLnBrk="1" latinLnBrk="0" hangingPunct="1">
         <a:lnSpc>
           <a:spcPct val="90000"/>
         </a:lnSpc>
         <a:spcBef>
-          <a:spcPts val="500"/>
+          <a:spcPts val="225"/>
         </a:spcBef>
         <a:buFont typeface="Arial" panose="020B0604020202020204" pitchFamily="34" charset="0"/>
         <a:buChar char="•"/>
-        <a:defRPr sz="1800" kern="1200">
+        <a:defRPr sz="810" kern="1200">
           <a:solidFill>
             <a:schemeClr val="tx1"/>
           </a:solidFill>
@@ -3266,16 +3271,16 @@
           <a:cs typeface="+mn-cs"/>
         </a:defRPr>
       </a:lvl7pPr>
-      <a:lvl8pPr marL="3429000" indent="-228600" algn="l" defTabSz="914400" rtl="0" eaLnBrk="1" latinLnBrk="0" hangingPunct="1">
+      <a:lvl8pPr marL="1543050" indent="-102870" algn="l" defTabSz="411480" rtl="0" eaLnBrk="1" latinLnBrk="0" hangingPunct="1">
         <a:lnSpc>
           <a:spcPct val="90000"/>
         </a:lnSpc>
         <a:spcBef>
-          <a:spcPts val="500"/>
+          <a:spcPts val="225"/>
         </a:spcBef>
         <a:buFont typeface="Arial" panose="020B0604020202020204" pitchFamily="34" charset="0"/>
         <a:buChar char="•"/>
-        <a:defRPr sz="1800" kern="1200">
+        <a:defRPr sz="810" kern="1200">
           <a:solidFill>
             <a:schemeClr val="tx1"/>
           </a:solidFill>
@@ -3284,16 +3289,16 @@
           <a:cs typeface="+mn-cs"/>
         </a:defRPr>
       </a:lvl8pPr>
-      <a:lvl9pPr marL="3886200" indent="-228600" algn="l" defTabSz="914400" rtl="0" eaLnBrk="1" latinLnBrk="0" hangingPunct="1">
+      <a:lvl9pPr marL="1748790" indent="-102870" algn="l" defTabSz="411480" rtl="0" eaLnBrk="1" latinLnBrk="0" hangingPunct="1">
         <a:lnSpc>
           <a:spcPct val="90000"/>
         </a:lnSpc>
         <a:spcBef>
-          <a:spcPts val="500"/>
+          <a:spcPts val="225"/>
         </a:spcBef>
         <a:buFont typeface="Arial" panose="020B0604020202020204" pitchFamily="34" charset="0"/>
         <a:buChar char="•"/>
-        <a:defRPr sz="1800" kern="1200">
+        <a:defRPr sz="810" kern="1200">
           <a:solidFill>
             <a:schemeClr val="tx1"/>
           </a:solidFill>
@@ -3307,8 +3312,8 @@
       <a:defPPr>
         <a:defRPr lang="en-US"/>
       </a:defPPr>
-      <a:lvl1pPr marL="0" algn="l" defTabSz="914400" rtl="0" eaLnBrk="1" latinLnBrk="0" hangingPunct="1">
-        <a:defRPr sz="1800" kern="1200">
+      <a:lvl1pPr marL="0" algn="l" defTabSz="411480" rtl="0" eaLnBrk="1" latinLnBrk="0" hangingPunct="1">
+        <a:defRPr sz="810" kern="1200">
           <a:solidFill>
             <a:schemeClr val="tx1"/>
           </a:solidFill>
@@ -3317,8 +3322,8 @@
           <a:cs typeface="+mn-cs"/>
         </a:defRPr>
       </a:lvl1pPr>
-      <a:lvl2pPr marL="457200" algn="l" defTabSz="914400" rtl="0" eaLnBrk="1" latinLnBrk="0" hangingPunct="1">
-        <a:defRPr sz="1800" kern="1200">
+      <a:lvl2pPr marL="205740" algn="l" defTabSz="411480" rtl="0" eaLnBrk="1" latinLnBrk="0" hangingPunct="1">
+        <a:defRPr sz="810" kern="1200">
           <a:solidFill>
             <a:schemeClr val="tx1"/>
           </a:solidFill>
@@ -3327,8 +3332,8 @@
           <a:cs typeface="+mn-cs"/>
         </a:defRPr>
       </a:lvl2pPr>
-      <a:lvl3pPr marL="914400" algn="l" defTabSz="914400" rtl="0" eaLnBrk="1" latinLnBrk="0" hangingPunct="1">
-        <a:defRPr sz="1800" kern="1200">
+      <a:lvl3pPr marL="411480" algn="l" defTabSz="411480" rtl="0" eaLnBrk="1" latinLnBrk="0" hangingPunct="1">
+        <a:defRPr sz="810" kern="1200">
           <a:solidFill>
             <a:schemeClr val="tx1"/>
           </a:solidFill>
@@ -3337,8 +3342,8 @@
           <a:cs typeface="+mn-cs"/>
         </a:defRPr>
       </a:lvl3pPr>
-      <a:lvl4pPr marL="1371600" algn="l" defTabSz="914400" rtl="0" eaLnBrk="1" latinLnBrk="0" hangingPunct="1">
-        <a:defRPr sz="1800" kern="1200">
+      <a:lvl4pPr marL="617220" algn="l" defTabSz="411480" rtl="0" eaLnBrk="1" latinLnBrk="0" hangingPunct="1">
+        <a:defRPr sz="810" kern="1200">
           <a:solidFill>
             <a:schemeClr val="tx1"/>
           </a:solidFill>
@@ -3347,8 +3352,8 @@
           <a:cs typeface="+mn-cs"/>
         </a:defRPr>
       </a:lvl4pPr>
-      <a:lvl5pPr marL="1828800" algn="l" defTabSz="914400" rtl="0" eaLnBrk="1" latinLnBrk="0" hangingPunct="1">
-        <a:defRPr sz="1800" kern="1200">
+      <a:lvl5pPr marL="822960" algn="l" defTabSz="411480" rtl="0" eaLnBrk="1" latinLnBrk="0" hangingPunct="1">
+        <a:defRPr sz="810" kern="1200">
           <a:solidFill>
             <a:schemeClr val="tx1"/>
           </a:solidFill>
@@ -3357,8 +3362,8 @@
           <a:cs typeface="+mn-cs"/>
         </a:defRPr>
       </a:lvl5pPr>
-      <a:lvl6pPr marL="2286000" algn="l" defTabSz="914400" rtl="0" eaLnBrk="1" latinLnBrk="0" hangingPunct="1">
-        <a:defRPr sz="1800" kern="1200">
+      <a:lvl6pPr marL="1028700" algn="l" defTabSz="411480" rtl="0" eaLnBrk="1" latinLnBrk="0" hangingPunct="1">
+        <a:defRPr sz="810" kern="1200">
           <a:solidFill>
             <a:schemeClr val="tx1"/>
           </a:solidFill>
@@ -3367,8 +3372,8 @@
           <a:cs typeface="+mn-cs"/>
         </a:defRPr>
       </a:lvl6pPr>
-      <a:lvl7pPr marL="2743200" algn="l" defTabSz="914400" rtl="0" eaLnBrk="1" latinLnBrk="0" hangingPunct="1">
-        <a:defRPr sz="1800" kern="1200">
+      <a:lvl7pPr marL="1234440" algn="l" defTabSz="411480" rtl="0" eaLnBrk="1" latinLnBrk="0" hangingPunct="1">
+        <a:defRPr sz="810" kern="1200">
           <a:solidFill>
             <a:schemeClr val="tx1"/>
           </a:solidFill>
@@ -3377,8 +3382,8 @@
           <a:cs typeface="+mn-cs"/>
         </a:defRPr>
       </a:lvl7pPr>
-      <a:lvl8pPr marL="3200400" algn="l" defTabSz="914400" rtl="0" eaLnBrk="1" latinLnBrk="0" hangingPunct="1">
-        <a:defRPr sz="1800" kern="1200">
+      <a:lvl8pPr marL="1440180" algn="l" defTabSz="411480" rtl="0" eaLnBrk="1" latinLnBrk="0" hangingPunct="1">
+        <a:defRPr sz="810" kern="1200">
           <a:solidFill>
             <a:schemeClr val="tx1"/>
           </a:solidFill>
@@ -3387,8 +3392,8 @@
           <a:cs typeface="+mn-cs"/>
         </a:defRPr>
       </a:lvl8pPr>
-      <a:lvl9pPr marL="3657600" algn="l" defTabSz="914400" rtl="0" eaLnBrk="1" latinLnBrk="0" hangingPunct="1">
-        <a:defRPr sz="1800" kern="1200">
+      <a:lvl9pPr marL="1645920" algn="l" defTabSz="411480" rtl="0" eaLnBrk="1" latinLnBrk="0" hangingPunct="1">
+        <a:defRPr sz="810" kern="1200">
           <a:solidFill>
             <a:schemeClr val="tx1"/>
           </a:solidFill>
@@ -3437,8 +3442,8 @@
         </p:nvSpPr>
         <p:spPr>
           <a:xfrm>
-            <a:off x="0" y="0"/>
-            <a:ext cx="4572000" cy="914400"/>
+            <a:off x="-304414" y="1010460"/>
+            <a:ext cx="2361813" cy="346890"/>
           </a:xfrm>
           <a:prstGeom prst="rect">
             <a:avLst/>
@@ -3453,7 +3458,7 @@
           <a:p>
             <a:pPr algn="ctr"/>
             <a:r>
-              <a:rPr lang="en-US" sz="3200" b="1" dirty="0" smtClean="0">
+              <a:rPr lang="en-US" sz="1654" b="1" dirty="0">
                 <a:solidFill>
                   <a:schemeClr val="bg1"/>
                 </a:solidFill>
@@ -3461,29 +3466,23 @@
                 <a:ea typeface="Avenir Book" charset="0"/>
                 <a:cs typeface="Avenir Book" charset="0"/>
               </a:rPr>
-              <a:t>Donohue, et al</a:t>
-            </a:r>
-            <a:endParaRPr lang="en-US" sz="3200" b="1" dirty="0">
-              <a:solidFill>
-                <a:schemeClr val="bg1"/>
-              </a:solidFill>
-              <a:latin typeface="Avenir Book" charset="0"/>
-              <a:ea typeface="Avenir Book" charset="0"/>
-              <a:cs typeface="Avenir Book" charset="0"/>
-            </a:endParaRPr>
+              <a:t>Question</a:t>
+            </a:r>
           </a:p>
         </p:txBody>
       </p:sp>
       <p:sp>
         <p:nvSpPr>
           <p:cNvPr id="5" name="TextBox 4"/>
-          <p:cNvSpPr txBox="1"/>
+          <p:cNvSpPr txBox="1">
+            <a:spLocks noChangeAspect="1"/>
+          </p:cNvSpPr>
           <p:nvPr/>
         </p:nvSpPr>
         <p:spPr>
           <a:xfrm>
-            <a:off x="4572000" y="0"/>
-            <a:ext cx="4572000" cy="914400"/>
+            <a:off x="2057401" y="1010460"/>
+            <a:ext cx="2361813" cy="346890"/>
           </a:xfrm>
           <a:prstGeom prst="rect">
             <a:avLst/>
@@ -3498,7 +3497,7 @@
           <a:p>
             <a:pPr algn="ctr"/>
             <a:r>
-              <a:rPr lang="en-US" sz="3200" b="1" dirty="0" smtClean="0">
+              <a:rPr lang="en-US" sz="1654" b="1" dirty="0">
                 <a:solidFill>
                   <a:schemeClr val="bg1"/>
                 </a:solidFill>
@@ -3506,16 +3505,8 @@
                 <a:ea typeface="Avenir Book" charset="0"/>
                 <a:cs typeface="Avenir Book" charset="0"/>
               </a:rPr>
-              <a:t>Mustard and Lott</a:t>
-            </a:r>
-            <a:endParaRPr lang="en-US" sz="3200" b="1" dirty="0">
-              <a:solidFill>
-                <a:schemeClr val="bg1"/>
-              </a:solidFill>
-              <a:latin typeface="Avenir Book" charset="0"/>
-              <a:ea typeface="Avenir Book" charset="0"/>
-              <a:cs typeface="Avenir Book" charset="0"/>
-            </a:endParaRPr>
+              <a:t>Question</a:t>
+            </a:r>
           </a:p>
         </p:txBody>
       </p:sp>
@@ -3529,8 +3520,8 @@
         </p:nvSpPr>
         <p:spPr>
           <a:xfrm>
-            <a:off x="0" y="1485900"/>
-            <a:ext cx="4572000" cy="914400"/>
+            <a:off x="-304414" y="1778049"/>
+            <a:ext cx="2361813" cy="346890"/>
           </a:xfrm>
           <a:prstGeom prst="rect">
             <a:avLst/>
@@ -3545,7 +3536,7 @@
           <a:p>
             <a:pPr algn="ctr"/>
             <a:r>
-              <a:rPr lang="en-US" sz="3200" b="1" dirty="0" smtClean="0">
+              <a:rPr lang="en-US" sz="1654" b="1" dirty="0">
                 <a:solidFill>
                   <a:schemeClr val="bg1"/>
                 </a:solidFill>
@@ -3555,14 +3546,6 @@
               </a:rPr>
               <a:t>Data</a:t>
             </a:r>
-            <a:endParaRPr lang="en-US" sz="3200" b="1" dirty="0">
-              <a:solidFill>
-                <a:schemeClr val="bg1"/>
-              </a:solidFill>
-              <a:latin typeface="Avenir Book" charset="0"/>
-              <a:ea typeface="Avenir Book" charset="0"/>
-              <a:cs typeface="Avenir Book" charset="0"/>
-            </a:endParaRPr>
           </a:p>
         </p:txBody>
       </p:sp>
@@ -3576,8 +3559,8 @@
         </p:nvSpPr>
         <p:spPr>
           <a:xfrm>
-            <a:off x="0" y="2971800"/>
-            <a:ext cx="4572000" cy="914400"/>
+            <a:off x="-304414" y="2545636"/>
+            <a:ext cx="2361813" cy="346890"/>
           </a:xfrm>
           <a:prstGeom prst="rect">
             <a:avLst/>
@@ -3592,7 +3575,7 @@
           <a:p>
             <a:pPr algn="ctr"/>
             <a:r>
-              <a:rPr lang="en-US" sz="3200" b="1" dirty="0" smtClean="0">
+              <a:rPr lang="en-US" sz="1654" b="1" dirty="0">
                 <a:solidFill>
                   <a:schemeClr val="bg1"/>
                 </a:solidFill>
@@ -3602,14 +3585,6 @@
               </a:rPr>
               <a:t>Wrangling</a:t>
             </a:r>
-            <a:endParaRPr lang="en-US" sz="3200" b="1" dirty="0">
-              <a:solidFill>
-                <a:schemeClr val="bg1"/>
-              </a:solidFill>
-              <a:latin typeface="Avenir Book" charset="0"/>
-              <a:ea typeface="Avenir Book" charset="0"/>
-              <a:cs typeface="Avenir Book" charset="0"/>
-            </a:endParaRPr>
           </a:p>
         </p:txBody>
       </p:sp>
@@ -3623,8 +3598,8 @@
         </p:nvSpPr>
         <p:spPr>
           <a:xfrm>
-            <a:off x="0" y="5943600"/>
-            <a:ext cx="4572000" cy="914400"/>
+            <a:off x="-304415" y="4031631"/>
+            <a:ext cx="2361813" cy="346890"/>
           </a:xfrm>
           <a:prstGeom prst="rect">
             <a:avLst/>
@@ -3639,7 +3614,7 @@
           <a:p>
             <a:pPr algn="ctr"/>
             <a:r>
-              <a:rPr lang="en-US" sz="3200" b="1" dirty="0" smtClean="0">
+              <a:rPr lang="en-US" sz="1654" b="1" dirty="0">
                 <a:solidFill>
                   <a:schemeClr val="bg1"/>
                 </a:solidFill>
@@ -3649,14 +3624,6 @@
               </a:rPr>
               <a:t>Interpretation</a:t>
             </a:r>
-            <a:endParaRPr lang="en-US" sz="3200" b="1" dirty="0">
-              <a:solidFill>
-                <a:schemeClr val="bg1"/>
-              </a:solidFill>
-              <a:latin typeface="Avenir Book" charset="0"/>
-              <a:ea typeface="Avenir Book" charset="0"/>
-              <a:cs typeface="Avenir Book" charset="0"/>
-            </a:endParaRPr>
           </a:p>
         </p:txBody>
       </p:sp>
@@ -3670,8 +3637,8 @@
         </p:nvSpPr>
         <p:spPr>
           <a:xfrm>
-            <a:off x="0" y="4457700"/>
-            <a:ext cx="4572000" cy="914400"/>
+            <a:off x="-304414" y="3313225"/>
+            <a:ext cx="2361813" cy="346890"/>
           </a:xfrm>
           <a:prstGeom prst="rect">
             <a:avLst/>
@@ -3686,7 +3653,7 @@
           <a:p>
             <a:pPr algn="ctr"/>
             <a:r>
-              <a:rPr lang="en-US" sz="3200" b="1" dirty="0" smtClean="0">
+              <a:rPr lang="en-US" sz="1654" b="1" dirty="0">
                 <a:solidFill>
                   <a:schemeClr val="bg1"/>
                 </a:solidFill>
@@ -3696,14 +3663,6 @@
               </a:rPr>
               <a:t>Analysis</a:t>
             </a:r>
-            <a:endParaRPr lang="en-US" sz="3200" b="1" dirty="0">
-              <a:solidFill>
-                <a:schemeClr val="bg1"/>
-              </a:solidFill>
-              <a:latin typeface="Avenir Book" charset="0"/>
-              <a:ea typeface="Avenir Book" charset="0"/>
-              <a:cs typeface="Avenir Book" charset="0"/>
-            </a:endParaRPr>
           </a:p>
         </p:txBody>
       </p:sp>
@@ -3717,8 +3676,8 @@
         </p:nvSpPr>
         <p:spPr>
           <a:xfrm>
-            <a:off x="4572000" y="1485900"/>
-            <a:ext cx="4572000" cy="914400"/>
+            <a:off x="2057401" y="1778049"/>
+            <a:ext cx="2361813" cy="346890"/>
           </a:xfrm>
           <a:prstGeom prst="rect">
             <a:avLst/>
@@ -3733,7 +3692,7 @@
           <a:p>
             <a:pPr algn="ctr"/>
             <a:r>
-              <a:rPr lang="en-US" sz="3200" b="1" dirty="0" smtClean="0">
+              <a:rPr lang="en-US" sz="1654" b="1" dirty="0">
                 <a:solidFill>
                   <a:schemeClr val="bg1"/>
                 </a:solidFill>
@@ -3743,14 +3702,6 @@
               </a:rPr>
               <a:t>Data</a:t>
             </a:r>
-            <a:endParaRPr lang="en-US" sz="3200" b="1" dirty="0">
-              <a:solidFill>
-                <a:schemeClr val="bg1"/>
-              </a:solidFill>
-              <a:latin typeface="Avenir Book" charset="0"/>
-              <a:ea typeface="Avenir Book" charset="0"/>
-              <a:cs typeface="Avenir Book" charset="0"/>
-            </a:endParaRPr>
           </a:p>
         </p:txBody>
       </p:sp>
@@ -3764,8 +3715,8 @@
         </p:nvSpPr>
         <p:spPr>
           <a:xfrm>
-            <a:off x="4572000" y="2971800"/>
-            <a:ext cx="4572000" cy="914400"/>
+            <a:off x="2057401" y="2545636"/>
+            <a:ext cx="2361813" cy="346890"/>
           </a:xfrm>
           <a:prstGeom prst="rect">
             <a:avLst/>
@@ -3780,7 +3731,7 @@
           <a:p>
             <a:pPr algn="ctr"/>
             <a:r>
-              <a:rPr lang="en-US" sz="3200" b="1" dirty="0" smtClean="0">
+              <a:rPr lang="en-US" sz="1654" b="1" dirty="0">
                 <a:solidFill>
                   <a:schemeClr val="bg1"/>
                 </a:solidFill>
@@ -3790,14 +3741,6 @@
               </a:rPr>
               <a:t>Wrangling</a:t>
             </a:r>
-            <a:endParaRPr lang="en-US" sz="3200" b="1" dirty="0">
-              <a:solidFill>
-                <a:schemeClr val="bg1"/>
-              </a:solidFill>
-              <a:latin typeface="Avenir Book" charset="0"/>
-              <a:ea typeface="Avenir Book" charset="0"/>
-              <a:cs typeface="Avenir Book" charset="0"/>
-            </a:endParaRPr>
           </a:p>
         </p:txBody>
       </p:sp>
@@ -3811,8 +3754,8 @@
         </p:nvSpPr>
         <p:spPr>
           <a:xfrm>
-            <a:off x="4572000" y="5943600"/>
-            <a:ext cx="4572000" cy="914400"/>
+            <a:off x="2057400" y="4031631"/>
+            <a:ext cx="2361813" cy="346890"/>
           </a:xfrm>
           <a:prstGeom prst="rect">
             <a:avLst/>
@@ -3827,7 +3770,7 @@
           <a:p>
             <a:pPr algn="ctr"/>
             <a:r>
-              <a:rPr lang="en-US" sz="3200" b="1" dirty="0" smtClean="0">
+              <a:rPr lang="en-US" sz="1654" b="1" dirty="0">
                 <a:solidFill>
                   <a:schemeClr val="bg1"/>
                 </a:solidFill>
@@ -3837,14 +3780,6 @@
               </a:rPr>
               <a:t>Interpretation</a:t>
             </a:r>
-            <a:endParaRPr lang="en-US" sz="3200" b="1" dirty="0">
-              <a:solidFill>
-                <a:schemeClr val="bg1"/>
-              </a:solidFill>
-              <a:latin typeface="Avenir Book" charset="0"/>
-              <a:ea typeface="Avenir Book" charset="0"/>
-              <a:cs typeface="Avenir Book" charset="0"/>
-            </a:endParaRPr>
           </a:p>
         </p:txBody>
       </p:sp>
@@ -3858,8 +3793,8 @@
         </p:nvSpPr>
         <p:spPr>
           <a:xfrm>
-            <a:off x="4572000" y="4457700"/>
-            <a:ext cx="4572000" cy="914400"/>
+            <a:off x="2057401" y="3313226"/>
+            <a:ext cx="2361813" cy="346890"/>
           </a:xfrm>
           <a:prstGeom prst="rect">
             <a:avLst/>
@@ -3874,7 +3809,7 @@
           <a:p>
             <a:pPr algn="ctr"/>
             <a:r>
-              <a:rPr lang="en-US" sz="3200" b="1" dirty="0" smtClean="0">
+              <a:rPr lang="en-US" sz="1654" b="1" dirty="0">
                 <a:solidFill>
                   <a:schemeClr val="bg1"/>
                 </a:solidFill>
@@ -3884,14 +3819,6 @@
               </a:rPr>
               <a:t>Analysis</a:t>
             </a:r>
-            <a:endParaRPr lang="en-US" sz="3200" b="1" dirty="0">
-              <a:solidFill>
-                <a:schemeClr val="bg1"/>
-              </a:solidFill>
-              <a:latin typeface="Avenir Book" charset="0"/>
-              <a:ea typeface="Avenir Book" charset="0"/>
-              <a:cs typeface="Avenir Book" charset="0"/>
-            </a:endParaRPr>
           </a:p>
         </p:txBody>
       </p:sp>
@@ -3899,6 +3826,7 @@
         <p:nvCxnSpPr>
           <p:cNvPr id="29" name="Straight Arrow Connector 28"/>
           <p:cNvCxnSpPr>
+            <a:cxnSpLocks noChangeAspect="1"/>
             <a:stCxn id="4" idx="2"/>
             <a:endCxn id="8" idx="0"/>
           </p:cNvCxnSpPr>
@@ -3906,8 +3834,8 @@
         </p:nvCxnSpPr>
         <p:spPr>
           <a:xfrm>
-            <a:off x="2286000" y="914400"/>
-            <a:ext cx="0" cy="571500"/>
+            <a:off x="876493" y="1357350"/>
+            <a:ext cx="0" cy="420699"/>
           </a:xfrm>
           <a:prstGeom prst="straightConnector1">
             <a:avLst/>
@@ -3938,6 +3866,7 @@
         <p:nvCxnSpPr>
           <p:cNvPr id="32" name="Straight Arrow Connector 31"/>
           <p:cNvCxnSpPr>
+            <a:cxnSpLocks noChangeAspect="1"/>
             <a:stCxn id="10" idx="2"/>
             <a:endCxn id="15" idx="0"/>
           </p:cNvCxnSpPr>
@@ -3945,8 +3874,8 @@
         </p:nvCxnSpPr>
         <p:spPr>
           <a:xfrm>
-            <a:off x="2286000" y="3886200"/>
-            <a:ext cx="0" cy="571500"/>
+            <a:off x="876493" y="2892526"/>
+            <a:ext cx="0" cy="420699"/>
           </a:xfrm>
           <a:prstGeom prst="straightConnector1">
             <a:avLst/>
@@ -3977,6 +3906,7 @@
         <p:nvCxnSpPr>
           <p:cNvPr id="34" name="Straight Arrow Connector 33"/>
           <p:cNvCxnSpPr>
+            <a:cxnSpLocks noChangeAspect="1"/>
             <a:stCxn id="8" idx="2"/>
             <a:endCxn id="10" idx="0"/>
           </p:cNvCxnSpPr>
@@ -3984,8 +3914,8 @@
         </p:nvCxnSpPr>
         <p:spPr>
           <a:xfrm>
-            <a:off x="2286000" y="2400300"/>
-            <a:ext cx="0" cy="571500"/>
+            <a:off x="876493" y="2124939"/>
+            <a:ext cx="0" cy="420697"/>
           </a:xfrm>
           <a:prstGeom prst="straightConnector1">
             <a:avLst/>
@@ -4016,15 +3946,16 @@
         <p:nvCxnSpPr>
           <p:cNvPr id="36" name="Straight Arrow Connector 35"/>
           <p:cNvCxnSpPr>
+            <a:cxnSpLocks noChangeAspect="1"/>
             <a:stCxn id="15" idx="2"/>
             <a:endCxn id="14" idx="0"/>
           </p:cNvCxnSpPr>
           <p:nvPr/>
         </p:nvCxnSpPr>
         <p:spPr>
-          <a:xfrm>
-            <a:off x="2286000" y="5372100"/>
-            <a:ext cx="0" cy="571500"/>
+          <a:xfrm flipH="1">
+            <a:off x="876492" y="3660115"/>
+            <a:ext cx="1" cy="371516"/>
           </a:xfrm>
           <a:prstGeom prst="straightConnector1">
             <a:avLst/>
@@ -4055,6 +3986,7 @@
         <p:nvCxnSpPr>
           <p:cNvPr id="38" name="Straight Arrow Connector 37"/>
           <p:cNvCxnSpPr>
+            <a:cxnSpLocks noChangeAspect="1"/>
             <a:stCxn id="5" idx="2"/>
             <a:endCxn id="24" idx="0"/>
           </p:cNvCxnSpPr>
@@ -4062,8 +3994,8 @@
         </p:nvCxnSpPr>
         <p:spPr>
           <a:xfrm>
-            <a:off x="6858000" y="914400"/>
-            <a:ext cx="0" cy="571500"/>
+            <a:off x="3238308" y="1357350"/>
+            <a:ext cx="0" cy="420699"/>
           </a:xfrm>
           <a:prstGeom prst="straightConnector1">
             <a:avLst/>
@@ -4094,6 +4026,7 @@
         <p:nvCxnSpPr>
           <p:cNvPr id="40" name="Straight Arrow Connector 39"/>
           <p:cNvCxnSpPr>
+            <a:cxnSpLocks noChangeAspect="1"/>
             <a:stCxn id="24" idx="2"/>
             <a:endCxn id="25" idx="0"/>
           </p:cNvCxnSpPr>
@@ -4101,8 +4034,8 @@
         </p:nvCxnSpPr>
         <p:spPr>
           <a:xfrm>
-            <a:off x="6858000" y="2400300"/>
-            <a:ext cx="0" cy="571500"/>
+            <a:off x="3238308" y="2124939"/>
+            <a:ext cx="0" cy="420697"/>
           </a:xfrm>
           <a:prstGeom prst="straightConnector1">
             <a:avLst/>
@@ -4133,6 +4066,7 @@
         <p:nvCxnSpPr>
           <p:cNvPr id="42" name="Straight Arrow Connector 41"/>
           <p:cNvCxnSpPr>
+            <a:cxnSpLocks noChangeAspect="1"/>
             <a:stCxn id="25" idx="2"/>
             <a:endCxn id="27" idx="0"/>
           </p:cNvCxnSpPr>
@@ -4140,8 +4074,8 @@
         </p:nvCxnSpPr>
         <p:spPr>
           <a:xfrm>
-            <a:off x="6858000" y="3886200"/>
-            <a:ext cx="0" cy="571500"/>
+            <a:off x="3238308" y="2892526"/>
+            <a:ext cx="0" cy="420700"/>
           </a:xfrm>
           <a:prstGeom prst="straightConnector1">
             <a:avLst/>
@@ -4172,15 +4106,16 @@
         <p:nvCxnSpPr>
           <p:cNvPr id="44" name="Straight Arrow Connector 43"/>
           <p:cNvCxnSpPr>
+            <a:cxnSpLocks noChangeAspect="1"/>
             <a:stCxn id="27" idx="2"/>
             <a:endCxn id="26" idx="0"/>
           </p:cNvCxnSpPr>
           <p:nvPr/>
         </p:nvCxnSpPr>
         <p:spPr>
-          <a:xfrm>
-            <a:off x="6858000" y="5372100"/>
-            <a:ext cx="0" cy="571500"/>
+          <a:xfrm flipH="1">
+            <a:off x="3238307" y="3660116"/>
+            <a:ext cx="1" cy="371515"/>
           </a:xfrm>
           <a:prstGeom prst="straightConnector1">
             <a:avLst/>
@@ -4210,13 +4145,15 @@
       <p:sp>
         <p:nvSpPr>
           <p:cNvPr id="45" name="Not Equal 44"/>
-          <p:cNvSpPr/>
+          <p:cNvSpPr>
+            <a:spLocks noChangeAspect="1"/>
+          </p:cNvSpPr>
           <p:nvPr/>
         </p:nvSpPr>
         <p:spPr>
           <a:xfrm>
-            <a:off x="4114800" y="6080760"/>
-            <a:ext cx="914400" cy="640080"/>
+            <a:off x="1821218" y="4085483"/>
+            <a:ext cx="472363" cy="330653"/>
           </a:xfrm>
           <a:prstGeom prst="mathNotEqual">
             <a:avLst/>
@@ -4249,7 +4186,374 @@
           <a:lstStyle/>
           <a:p>
             <a:pPr algn="ctr"/>
-            <a:endParaRPr lang="en-US">
+            <a:endParaRPr lang="en-US" sz="929">
+              <a:solidFill>
+                <a:schemeClr val="tx1"/>
+              </a:solidFill>
+            </a:endParaRPr>
+          </a:p>
+        </p:txBody>
+      </p:sp>
+      <p:sp>
+        <p:nvSpPr>
+          <p:cNvPr id="21" name="Not Equal 20"/>
+          <p:cNvSpPr>
+            <a:spLocks noChangeAspect="1"/>
+          </p:cNvSpPr>
+          <p:nvPr/>
+        </p:nvSpPr>
+        <p:spPr>
+          <a:xfrm>
+            <a:off x="1821221" y="3321339"/>
+            <a:ext cx="472363" cy="330653"/>
+          </a:xfrm>
+          <a:prstGeom prst="mathNotEqual">
+            <a:avLst/>
+          </a:prstGeom>
+          <a:solidFill>
+            <a:schemeClr val="bg1"/>
+          </a:solidFill>
+          <a:ln>
+            <a:noFill/>
+          </a:ln>
+        </p:spPr>
+        <p:style>
+          <a:lnRef idx="2">
+            <a:schemeClr val="accent1">
+              <a:shade val="50000"/>
+            </a:schemeClr>
+          </a:lnRef>
+          <a:fillRef idx="1">
+            <a:schemeClr val="accent1"/>
+          </a:fillRef>
+          <a:effectRef idx="0">
+            <a:schemeClr val="accent1"/>
+          </a:effectRef>
+          <a:fontRef idx="minor">
+            <a:schemeClr val="lt1"/>
+          </a:fontRef>
+        </p:style>
+        <p:txBody>
+          <a:bodyPr rtlCol="0" anchor="ctr"/>
+          <a:lstStyle/>
+          <a:p>
+            <a:pPr algn="ctr"/>
+            <a:endParaRPr lang="en-US" sz="929">
+              <a:solidFill>
+                <a:schemeClr val="tx1"/>
+              </a:solidFill>
+            </a:endParaRPr>
+          </a:p>
+        </p:txBody>
+      </p:sp>
+      <p:sp>
+        <p:nvSpPr>
+          <p:cNvPr id="22" name="Not Equal 21"/>
+          <p:cNvSpPr>
+            <a:spLocks noChangeAspect="1"/>
+          </p:cNvSpPr>
+          <p:nvPr/>
+        </p:nvSpPr>
+        <p:spPr>
+          <a:xfrm>
+            <a:off x="1821221" y="2553753"/>
+            <a:ext cx="472363" cy="330653"/>
+          </a:xfrm>
+          <a:prstGeom prst="mathNotEqual">
+            <a:avLst/>
+          </a:prstGeom>
+          <a:solidFill>
+            <a:schemeClr val="bg1"/>
+          </a:solidFill>
+          <a:ln>
+            <a:noFill/>
+          </a:ln>
+        </p:spPr>
+        <p:style>
+          <a:lnRef idx="2">
+            <a:schemeClr val="accent1">
+              <a:shade val="50000"/>
+            </a:schemeClr>
+          </a:lnRef>
+          <a:fillRef idx="1">
+            <a:schemeClr val="accent1"/>
+          </a:fillRef>
+          <a:effectRef idx="0">
+            <a:schemeClr val="accent1"/>
+          </a:effectRef>
+          <a:fontRef idx="minor">
+            <a:schemeClr val="lt1"/>
+          </a:fontRef>
+        </p:style>
+        <p:txBody>
+          <a:bodyPr rtlCol="0" anchor="ctr"/>
+          <a:lstStyle/>
+          <a:p>
+            <a:pPr algn="ctr"/>
+            <a:endParaRPr lang="en-US" sz="929">
+              <a:solidFill>
+                <a:schemeClr val="tx1"/>
+              </a:solidFill>
+            </a:endParaRPr>
+          </a:p>
+        </p:txBody>
+      </p:sp>
+      <p:sp>
+        <p:nvSpPr>
+          <p:cNvPr id="23" name="Not Equal 22"/>
+          <p:cNvSpPr>
+            <a:spLocks noChangeAspect="1"/>
+          </p:cNvSpPr>
+          <p:nvPr/>
+        </p:nvSpPr>
+        <p:spPr>
+          <a:xfrm>
+            <a:off x="1821221" y="1786162"/>
+            <a:ext cx="472363" cy="330653"/>
+          </a:xfrm>
+          <a:prstGeom prst="mathNotEqual">
+            <a:avLst/>
+          </a:prstGeom>
+          <a:solidFill>
+            <a:schemeClr val="bg1"/>
+          </a:solidFill>
+          <a:ln>
+            <a:noFill/>
+          </a:ln>
+        </p:spPr>
+        <p:style>
+          <a:lnRef idx="2">
+            <a:schemeClr val="accent1">
+              <a:shade val="50000"/>
+            </a:schemeClr>
+          </a:lnRef>
+          <a:fillRef idx="1">
+            <a:schemeClr val="accent1"/>
+          </a:fillRef>
+          <a:effectRef idx="0">
+            <a:schemeClr val="accent1"/>
+          </a:effectRef>
+          <a:fontRef idx="minor">
+            <a:schemeClr val="lt1"/>
+          </a:fontRef>
+        </p:style>
+        <p:txBody>
+          <a:bodyPr rtlCol="0" anchor="ctr"/>
+          <a:lstStyle/>
+          <a:p>
+            <a:pPr algn="ctr"/>
+            <a:endParaRPr lang="en-US" sz="929">
+              <a:solidFill>
+                <a:schemeClr val="tx1"/>
+              </a:solidFill>
+            </a:endParaRPr>
+          </a:p>
+        </p:txBody>
+      </p:sp>
+      <p:sp>
+        <p:nvSpPr>
+          <p:cNvPr id="31" name="TextBox 30"/>
+          <p:cNvSpPr txBox="1">
+            <a:spLocks noChangeAspect="1"/>
+          </p:cNvSpPr>
+          <p:nvPr/>
+        </p:nvSpPr>
+        <p:spPr>
+          <a:xfrm>
+            <a:off x="-304414" y="233368"/>
+            <a:ext cx="2361813" cy="346890"/>
+          </a:xfrm>
+          <a:prstGeom prst="rect">
+            <a:avLst/>
+          </a:prstGeom>
+          <a:noFill/>
+        </p:spPr>
+        <p:txBody>
+          <a:bodyPr wrap="square" rtlCol="0" anchor="ctr">
+            <a:spAutoFit/>
+          </a:bodyPr>
+          <a:lstStyle/>
+          <a:p>
+            <a:pPr algn="ctr"/>
+            <a:r>
+              <a:rPr lang="en-US" sz="1654" b="1" dirty="0">
+                <a:solidFill>
+                  <a:schemeClr val="bg1"/>
+                </a:solidFill>
+                <a:latin typeface="Avenir Book" charset="0"/>
+                <a:ea typeface="Avenir Book" charset="0"/>
+                <a:cs typeface="Avenir Book" charset="0"/>
+              </a:rPr>
+              <a:t>Donohue, et al.</a:t>
+            </a:r>
+          </a:p>
+        </p:txBody>
+      </p:sp>
+      <p:sp>
+        <p:nvSpPr>
+          <p:cNvPr id="33" name="TextBox 32"/>
+          <p:cNvSpPr txBox="1">
+            <a:spLocks noChangeAspect="1"/>
+          </p:cNvSpPr>
+          <p:nvPr/>
+        </p:nvSpPr>
+        <p:spPr>
+          <a:xfrm>
+            <a:off x="2057400" y="233368"/>
+            <a:ext cx="2361813" cy="346890"/>
+          </a:xfrm>
+          <a:prstGeom prst="rect">
+            <a:avLst/>
+          </a:prstGeom>
+          <a:noFill/>
+        </p:spPr>
+        <p:txBody>
+          <a:bodyPr wrap="square" rtlCol="0" anchor="ctr">
+            <a:spAutoFit/>
+          </a:bodyPr>
+          <a:lstStyle/>
+          <a:p>
+            <a:pPr algn="ctr"/>
+            <a:r>
+              <a:rPr lang="en-US" sz="1654" b="1" dirty="0">
+                <a:solidFill>
+                  <a:schemeClr val="bg1"/>
+                </a:solidFill>
+                <a:latin typeface="Avenir Book" charset="0"/>
+                <a:ea typeface="Avenir Book" charset="0"/>
+                <a:cs typeface="Avenir Book" charset="0"/>
+              </a:rPr>
+              <a:t>Mustard and Lott</a:t>
+            </a:r>
+          </a:p>
+        </p:txBody>
+      </p:sp>
+      <p:cxnSp>
+        <p:nvCxnSpPr>
+          <p:cNvPr id="46" name="Straight Arrow Connector 45"/>
+          <p:cNvCxnSpPr>
+            <a:cxnSpLocks noChangeAspect="1"/>
+          </p:cNvCxnSpPr>
+          <p:nvPr/>
+        </p:nvCxnSpPr>
+        <p:spPr>
+          <a:xfrm>
+            <a:off x="3238304" y="575307"/>
+            <a:ext cx="0" cy="449605"/>
+          </a:xfrm>
+          <a:prstGeom prst="straightConnector1">
+            <a:avLst/>
+          </a:prstGeom>
+          <a:ln w="63500">
+            <a:solidFill>
+              <a:schemeClr val="bg1"/>
+            </a:solidFill>
+            <a:tailEnd type="triangle"/>
+          </a:ln>
+        </p:spPr>
+        <p:style>
+          <a:lnRef idx="1">
+            <a:schemeClr val="accent1"/>
+          </a:lnRef>
+          <a:fillRef idx="0">
+            <a:schemeClr val="accent1"/>
+          </a:fillRef>
+          <a:effectRef idx="0">
+            <a:schemeClr val="accent1"/>
+          </a:effectRef>
+          <a:fontRef idx="minor">
+            <a:schemeClr val="tx1"/>
+          </a:fontRef>
+        </p:style>
+      </p:cxnSp>
+      <p:cxnSp>
+        <p:nvCxnSpPr>
+          <p:cNvPr id="47" name="Straight Arrow Connector 46"/>
+          <p:cNvCxnSpPr>
+            <a:cxnSpLocks noChangeAspect="1"/>
+          </p:cNvCxnSpPr>
+          <p:nvPr/>
+        </p:nvCxnSpPr>
+        <p:spPr>
+          <a:xfrm>
+            <a:off x="876492" y="575307"/>
+            <a:ext cx="0" cy="449605"/>
+          </a:xfrm>
+          <a:prstGeom prst="straightConnector1">
+            <a:avLst/>
+          </a:prstGeom>
+          <a:ln w="63500">
+            <a:solidFill>
+              <a:schemeClr val="bg1"/>
+            </a:solidFill>
+            <a:tailEnd type="triangle"/>
+          </a:ln>
+        </p:spPr>
+        <p:style>
+          <a:lnRef idx="1">
+            <a:schemeClr val="accent1"/>
+          </a:lnRef>
+          <a:fillRef idx="0">
+            <a:schemeClr val="accent1"/>
+          </a:fillRef>
+          <a:effectRef idx="0">
+            <a:schemeClr val="accent1"/>
+          </a:effectRef>
+          <a:fontRef idx="minor">
+            <a:schemeClr val="tx1"/>
+          </a:fontRef>
+        </p:style>
+      </p:cxnSp>
+      <p:sp>
+        <p:nvSpPr>
+          <p:cNvPr id="48" name="Equal 47"/>
+          <p:cNvSpPr>
+            <a:spLocks noChangeAspect="1"/>
+          </p:cNvSpPr>
+          <p:nvPr/>
+        </p:nvSpPr>
+        <p:spPr>
+          <a:xfrm>
+            <a:off x="1821219" y="1017004"/>
+            <a:ext cx="472363" cy="333803"/>
+          </a:xfrm>
+          <a:prstGeom prst="mathEqual">
+            <a:avLst/>
+          </a:prstGeom>
+          <a:solidFill>
+            <a:schemeClr val="bg1"/>
+          </a:solidFill>
+          <a:ln>
+            <a:noFill/>
+          </a:ln>
+        </p:spPr>
+        <p:style>
+          <a:lnRef idx="2">
+            <a:schemeClr val="accent1">
+              <a:shade val="50000"/>
+            </a:schemeClr>
+          </a:lnRef>
+          <a:fillRef idx="1">
+            <a:schemeClr val="accent1"/>
+          </a:fillRef>
+          <a:effectRef idx="0">
+            <a:schemeClr val="accent1"/>
+          </a:effectRef>
+          <a:fontRef idx="minor">
+            <a:schemeClr val="lt1"/>
+          </a:fontRef>
+        </p:style>
+        <p:txBody>
+          <a:bodyPr rot="0" spcFirstLastPara="0" vertOverflow="overflow" horzOverflow="overflow" vert="horz" wrap="square" lIns="62981" tIns="31491" rIns="62981" bIns="31491" numCol="1" spcCol="0" rtlCol="0" fromWordArt="0" anchor="ctr" anchorCtr="0" forceAA="0" compatLnSpc="1">
+            <a:prstTxWarp prst="textNoShape">
+              <a:avLst/>
+            </a:prstTxWarp>
+            <a:noAutofit/>
+          </a:bodyPr>
+          <a:lstStyle/>
+          <a:p>
+            <a:pPr algn="ctr"/>
+            <a:endParaRPr lang="en-US" sz="1240">
               <a:solidFill>
                 <a:schemeClr val="tx1"/>
               </a:solidFill>
